--- a/thesisPriftiPP.pptx
+++ b/thesisPriftiPP.pptx
@@ -27,20 +27,22 @@
     <p:sldId id="276" r:id="rId21"/>
     <p:sldId id="277" r:id="rId22"/>
     <p:sldId id="278" r:id="rId23"/>
-    <p:sldId id="279" r:id="rId24"/>
-    <p:sldId id="284" r:id="rId25"/>
-    <p:sldId id="285" r:id="rId26"/>
-    <p:sldId id="286" r:id="rId27"/>
-    <p:sldId id="287" r:id="rId28"/>
-    <p:sldId id="283" r:id="rId29"/>
-    <p:sldId id="288" r:id="rId30"/>
-    <p:sldId id="291" r:id="rId31"/>
-    <p:sldId id="293" r:id="rId32"/>
-    <p:sldId id="294" r:id="rId33"/>
-    <p:sldId id="295" r:id="rId34"/>
-    <p:sldId id="292" r:id="rId35"/>
-    <p:sldId id="289" r:id="rId36"/>
-    <p:sldId id="290" r:id="rId37"/>
+    <p:sldId id="302" r:id="rId24"/>
+    <p:sldId id="279" r:id="rId25"/>
+    <p:sldId id="284" r:id="rId26"/>
+    <p:sldId id="285" r:id="rId27"/>
+    <p:sldId id="286" r:id="rId28"/>
+    <p:sldId id="287" r:id="rId29"/>
+    <p:sldId id="283" r:id="rId30"/>
+    <p:sldId id="288" r:id="rId31"/>
+    <p:sldId id="297" r:id="rId32"/>
+    <p:sldId id="298" r:id="rId33"/>
+    <p:sldId id="299" r:id="rId34"/>
+    <p:sldId id="300" r:id="rId35"/>
+    <p:sldId id="292" r:id="rId36"/>
+    <p:sldId id="289" r:id="rId37"/>
+    <p:sldId id="290" r:id="rId38"/>
+    <p:sldId id="301" r:id="rId39"/>
   </p:sldIdLst>
   <p:sldSz cx="12192000" cy="6858000"/>
   <p:notesSz cx="6858000" cy="9144000"/>
@@ -303,7 +305,7 @@
           <a:p>
             <a:fld id="{02AC24A9-CCB6-4F8D-B8DB-C2F3692CFA5A}" type="datetimeFigureOut">
               <a:rPr lang="en-US" smtClean="0"/>
-              <a:t>3/1/2023</a:t>
+              <a:t>3/2/2023</a:t>
             </a:fld>
             <a:endParaRPr lang="en-US" dirty="0"/>
           </a:p>
@@ -673,7 +675,7 @@
           <a:p>
             <a:fld id="{02AC24A9-CCB6-4F8D-B8DB-C2F3692CFA5A}" type="datetimeFigureOut">
               <a:rPr lang="en-US" smtClean="0"/>
-              <a:t>3/1/2023</a:t>
+              <a:t>3/2/2023</a:t>
             </a:fld>
             <a:endParaRPr lang="en-US"/>
           </a:p>
@@ -882,7 +884,7 @@
           <a:p>
             <a:fld id="{02AC24A9-CCB6-4F8D-B8DB-C2F3692CFA5A}" type="datetimeFigureOut">
               <a:rPr lang="en-US" smtClean="0"/>
-              <a:t>3/1/2023</a:t>
+              <a:t>3/2/2023</a:t>
             </a:fld>
             <a:endParaRPr lang="en-US"/>
           </a:p>
@@ -1352,7 +1354,7 @@
           <a:p>
             <a:fld id="{02AC24A9-CCB6-4F8D-B8DB-C2F3692CFA5A}" type="datetimeFigureOut">
               <a:rPr lang="en-US" smtClean="0"/>
-              <a:t>3/1/2023</a:t>
+              <a:t>3/2/2023</a:t>
             </a:fld>
             <a:endParaRPr lang="en-US"/>
           </a:p>
@@ -1806,7 +1808,7 @@
           <a:p>
             <a:fld id="{02AC24A9-CCB6-4F8D-B8DB-C2F3692CFA5A}" type="datetimeFigureOut">
               <a:rPr lang="en-US" smtClean="0"/>
-              <a:t>3/1/2023</a:t>
+              <a:t>3/2/2023</a:t>
             </a:fld>
             <a:endParaRPr lang="en-US"/>
           </a:p>
@@ -2338,7 +2340,7 @@
           <a:p>
             <a:fld id="{02AC24A9-CCB6-4F8D-B8DB-C2F3692CFA5A}" type="datetimeFigureOut">
               <a:rPr lang="en-US" smtClean="0"/>
-              <a:t>3/1/2023</a:t>
+              <a:t>3/2/2023</a:t>
             </a:fld>
             <a:endParaRPr lang="en-US"/>
           </a:p>
@@ -3037,7 +3039,7 @@
           <a:p>
             <a:fld id="{02AC24A9-CCB6-4F8D-B8DB-C2F3692CFA5A}" type="datetimeFigureOut">
               <a:rPr lang="en-US" smtClean="0"/>
-              <a:t>3/1/2023</a:t>
+              <a:t>3/2/2023</a:t>
             </a:fld>
             <a:endParaRPr lang="en-US"/>
           </a:p>
@@ -3366,7 +3368,7 @@
           <a:p>
             <a:fld id="{02AC24A9-CCB6-4F8D-B8DB-C2F3692CFA5A}" type="datetimeFigureOut">
               <a:rPr lang="en-US" smtClean="0"/>
-              <a:t>3/1/2023</a:t>
+              <a:t>3/2/2023</a:t>
             </a:fld>
             <a:endParaRPr lang="en-US"/>
           </a:p>
@@ -3479,7 +3481,7 @@
           <a:p>
             <a:fld id="{02AC24A9-CCB6-4F8D-B8DB-C2F3692CFA5A}" type="datetimeFigureOut">
               <a:rPr lang="en-US" smtClean="0"/>
-              <a:t>3/1/2023</a:t>
+              <a:t>3/2/2023</a:t>
             </a:fld>
             <a:endParaRPr lang="en-US"/>
           </a:p>
@@ -3974,7 +3976,7 @@
           <a:p>
             <a:fld id="{02AC24A9-CCB6-4F8D-B8DB-C2F3692CFA5A}" type="datetimeFigureOut">
               <a:rPr lang="en-US" smtClean="0"/>
-              <a:t>3/1/2023</a:t>
+              <a:t>3/2/2023</a:t>
             </a:fld>
             <a:endParaRPr lang="en-US" dirty="0"/>
           </a:p>
@@ -4451,7 +4453,7 @@
           <a:p>
             <a:fld id="{02AC24A9-CCB6-4F8D-B8DB-C2F3692CFA5A}" type="datetimeFigureOut">
               <a:rPr lang="en-US" smtClean="0"/>
-              <a:t>3/1/2023</a:t>
+              <a:t>3/2/2023</a:t>
             </a:fld>
             <a:endParaRPr lang="en-US"/>
           </a:p>
@@ -4694,7 +4696,7 @@
           <a:p>
             <a:fld id="{02AC24A9-CCB6-4F8D-B8DB-C2F3692CFA5A}" type="datetimeFigureOut">
               <a:rPr lang="en-US" smtClean="0"/>
-              <a:t>3/1/2023</a:t>
+              <a:t>3/2/2023</a:t>
             </a:fld>
             <a:endParaRPr lang="en-US"/>
           </a:p>
@@ -5606,7 +5608,14 @@
           <a:bodyPr/>
           <a:lstStyle/>
           <a:p>
-            <a:endParaRPr lang="en-US" dirty="0"/>
+            <a:r>
+              <a:rPr lang="el-GR" dirty="0"/>
+              <a:t>Επιλογή σημείο με </a:t>
+            </a:r>
+            <a:r>
+              <a:rPr lang="en-US" dirty="0"/>
+              <a:t>min y</a:t>
+            </a:r>
           </a:p>
         </p:txBody>
       </p:sp>
@@ -5696,7 +5705,11 @@
           <a:bodyPr/>
           <a:lstStyle/>
           <a:p>
-            <a:endParaRPr lang="en-US"/>
+            <a:r>
+              <a:rPr lang="el-GR" dirty="0"/>
+              <a:t>Έλεγχος στροφής</a:t>
+            </a:r>
+            <a:endParaRPr lang="en-US" dirty="0"/>
           </a:p>
         </p:txBody>
       </p:sp>
@@ -5786,7 +5799,11 @@
           <a:bodyPr/>
           <a:lstStyle/>
           <a:p>
-            <a:endParaRPr lang="en-US"/>
+            <a:r>
+              <a:rPr lang="el-GR" dirty="0"/>
+              <a:t>Έλεγχος στροφής</a:t>
+            </a:r>
+            <a:endParaRPr lang="en-US" dirty="0"/>
           </a:p>
         </p:txBody>
       </p:sp>
@@ -5876,7 +5893,11 @@
           <a:bodyPr/>
           <a:lstStyle/>
           <a:p>
-            <a:endParaRPr lang="en-US"/>
+            <a:r>
+              <a:rPr lang="el-GR" dirty="0"/>
+              <a:t>Έλεγχος στροφής</a:t>
+            </a:r>
+            <a:endParaRPr lang="en-US" dirty="0"/>
           </a:p>
         </p:txBody>
       </p:sp>
@@ -5966,7 +5987,11 @@
           <a:bodyPr/>
           <a:lstStyle/>
           <a:p>
-            <a:endParaRPr lang="en-US"/>
+            <a:r>
+              <a:rPr lang="el-GR" dirty="0"/>
+              <a:t>Έλεγχος στροφής</a:t>
+            </a:r>
+            <a:endParaRPr lang="en-US" dirty="0"/>
           </a:p>
         </p:txBody>
       </p:sp>
@@ -6056,7 +6081,11 @@
           <a:bodyPr/>
           <a:lstStyle/>
           <a:p>
-            <a:endParaRPr lang="en-US"/>
+            <a:r>
+              <a:rPr lang="el-GR" dirty="0"/>
+              <a:t>Έλεγχος στροφής</a:t>
+            </a:r>
+            <a:endParaRPr lang="en-US" dirty="0"/>
           </a:p>
         </p:txBody>
       </p:sp>
@@ -6813,8 +6842,8 @@
           </a:p>
         </p:txBody>
       </p:sp>
-      <mc:AlternateContent xmlns:mc="http://schemas.openxmlformats.org/markup-compatibility/2006">
-        <mc:Choice xmlns:a14="http://schemas.microsoft.com/office/drawing/2010/main" Requires="a14">
+      <mc:AlternateContent xmlns:mc="http://schemas.openxmlformats.org/markup-compatibility/2006" xmlns:a14="http://schemas.microsoft.com/office/drawing/2010/main">
+        <mc:Choice Requires="a14">
           <p:sp>
             <p:nvSpPr>
               <p:cNvPr id="2" name="Title 1">
@@ -6932,7 +6961,7 @@
             </p:txBody>
           </p:sp>
         </mc:Choice>
-        <mc:Fallback>
+        <mc:Fallback xmlns="">
           <p:sp>
             <p:nvSpPr>
               <p:cNvPr id="2" name="Title 1">
@@ -7484,6 +7513,57 @@
               <a:rPr lang="en-US" dirty="0"/>
               <a:t>Voronoi</a:t>
             </a:r>
+            <a:endParaRPr lang="el-GR" dirty="0"/>
+          </a:p>
+          <a:p>
+            <a:pPr marL="971550" lvl="1" indent="-514350">
+              <a:buFont typeface="+mj-lt"/>
+              <a:buAutoNum type="arabicPeriod"/>
+            </a:pPr>
+            <a:r>
+              <a:rPr lang="el-GR" dirty="0"/>
+              <a:t>Πλησιέστερου Γείτονα</a:t>
+            </a:r>
+            <a:r>
+              <a:rPr lang="en-US" dirty="0"/>
+              <a:t> (</a:t>
+            </a:r>
+            <a:r>
+              <a:rPr lang="el-GR" dirty="0"/>
+              <a:t>1</a:t>
+            </a:r>
+            <a:r>
+              <a:rPr lang="el-GR" baseline="30000" dirty="0"/>
+              <a:t>ης</a:t>
+            </a:r>
+            <a:r>
+              <a:rPr lang="el-GR" dirty="0"/>
+              <a:t> τάξης</a:t>
+            </a:r>
+            <a:r>
+              <a:rPr lang="en-US" dirty="0"/>
+              <a:t>)</a:t>
+            </a:r>
+            <a:endParaRPr lang="el-GR" dirty="0"/>
+          </a:p>
+          <a:p>
+            <a:pPr marL="971550" lvl="1" indent="-514350">
+              <a:buFont typeface="+mj-lt"/>
+              <a:buAutoNum type="arabicPeriod"/>
+            </a:pPr>
+            <a:r>
+              <a:rPr lang="el-GR" dirty="0"/>
+              <a:t>Πιο Απομακρυσμένου Γείτονα (</a:t>
+            </a:r>
+            <a:r>
+              <a:rPr lang="en-US" dirty="0"/>
+              <a:t>n-1 </a:t>
+            </a:r>
+            <a:r>
+              <a:rPr lang="el-GR" dirty="0"/>
+              <a:t>τάξης)</a:t>
+            </a:r>
+            <a:endParaRPr lang="en-US" dirty="0"/>
           </a:p>
         </p:txBody>
       </p:sp>
@@ -7783,6 +7863,657 @@
 </file>
 
 <file path=ppt/slides/slide23.xml><?xml version="1.0" encoding="utf-8"?>
+<p:sld xmlns:a="http://schemas.openxmlformats.org/drawingml/2006/main" xmlns:r="http://schemas.openxmlformats.org/officeDocument/2006/relationships" xmlns:p="http://schemas.openxmlformats.org/presentationml/2006/main">
+  <p:cSld>
+    <p:bg>
+      <p:bgPr>
+        <a:solidFill>
+          <a:schemeClr val="bg1"/>
+        </a:solidFill>
+        <a:effectLst/>
+      </p:bgPr>
+    </p:bg>
+    <p:spTree>
+      <p:nvGrpSpPr>
+        <p:cNvPr id="1" name=""/>
+        <p:cNvGrpSpPr/>
+        <p:nvPr/>
+      </p:nvGrpSpPr>
+      <p:grpSpPr>
+        <a:xfrm>
+          <a:off x="0" y="0"/>
+          <a:ext cx="0" cy="0"/>
+          <a:chOff x="0" y="0"/>
+          <a:chExt cx="0" cy="0"/>
+        </a:xfrm>
+      </p:grpSpPr>
+      <p:sp>
+        <p:nvSpPr>
+          <p:cNvPr id="24" name="Rectangle 23">
+            <a:extLst>
+              <a:ext uri="{FF2B5EF4-FFF2-40B4-BE49-F238E27FC236}">
+                <a16:creationId xmlns:a16="http://schemas.microsoft.com/office/drawing/2014/main" id="{8D06CE56-3881-4ADA-8CEF-D18B02C242A3}"/>
+              </a:ext>
+              <a:ext uri="{C183D7F6-B498-43B3-948B-1728B52AA6E4}">
+                <adec:decorative xmlns:adec="http://schemas.microsoft.com/office/drawing/2017/decorative" val="1"/>
+              </a:ext>
+            </a:extLst>
+          </p:cNvPr>
+          <p:cNvSpPr>
+            <a:spLocks noGrp="1" noRot="1" noChangeAspect="1" noMove="1" noResize="1" noEditPoints="1" noAdjustHandles="1" noChangeArrowheads="1" noChangeShapeType="1" noTextEdit="1"/>
+          </p:cNvSpPr>
+          <p:nvPr>
+            <p:extLst>
+              <p:ext uri="{386F3935-93C4-4BCD-93E2-E3B085C9AB24}">
+                <p16:designElem xmlns:p16="http://schemas.microsoft.com/office/powerpoint/2015/main" val="1"/>
+              </p:ext>
+            </p:extLst>
+          </p:nvPr>
+        </p:nvSpPr>
+        <p:spPr>
+          <a:xfrm rot="5400000">
+            <a:off x="857544" y="346791"/>
+            <a:ext cx="146304" cy="704088"/>
+          </a:xfrm>
+          <a:prstGeom prst="rect">
+            <a:avLst/>
+          </a:prstGeom>
+          <a:solidFill>
+            <a:schemeClr val="accent1"/>
+          </a:solidFill>
+          <a:ln>
+            <a:noFill/>
+          </a:ln>
+        </p:spPr>
+        <p:style>
+          <a:lnRef idx="2">
+            <a:schemeClr val="accent1">
+              <a:shade val="50000"/>
+            </a:schemeClr>
+          </a:lnRef>
+          <a:fillRef idx="1">
+            <a:schemeClr val="accent1"/>
+          </a:fillRef>
+          <a:effectRef idx="0">
+            <a:schemeClr val="accent1"/>
+          </a:effectRef>
+          <a:fontRef idx="minor">
+            <a:schemeClr val="lt1"/>
+          </a:fontRef>
+        </p:style>
+        <p:txBody>
+          <a:bodyPr rtlCol="0" anchor="ctr"/>
+          <a:lstStyle/>
+          <a:p>
+            <a:pPr marL="0" marR="0" lvl="0" indent="0" algn="ctr" defTabSz="914400" rtl="0" eaLnBrk="1" fontAlgn="auto" latinLnBrk="0" hangingPunct="1">
+              <a:lnSpc>
+                <a:spcPct val="100000"/>
+              </a:lnSpc>
+              <a:spcBef>
+                <a:spcPts val="0"/>
+              </a:spcBef>
+              <a:spcAft>
+                <a:spcPts val="0"/>
+              </a:spcAft>
+              <a:buClrTx/>
+              <a:buSzTx/>
+              <a:buFontTx/>
+              <a:buNone/>
+              <a:tabLst/>
+              <a:defRPr/>
+            </a:pPr>
+            <a:endParaRPr kumimoji="0" lang="en-US" sz="1800" b="0" i="0" u="none" strike="noStrike" kern="1200" cap="none" spc="0" normalizeH="0" baseline="0" noProof="0">
+              <a:ln>
+                <a:noFill/>
+              </a:ln>
+              <a:solidFill>
+                <a:prstClr val="white"/>
+              </a:solidFill>
+              <a:effectLst/>
+              <a:uLnTx/>
+              <a:uFillTx/>
+              <a:latin typeface="Calibri" panose="020F0502020204030204"/>
+              <a:ea typeface="+mn-ea"/>
+              <a:cs typeface="+mn-cs"/>
+            </a:endParaRPr>
+          </a:p>
+        </p:txBody>
+      </p:sp>
+      <p:sp>
+        <p:nvSpPr>
+          <p:cNvPr id="26" name="Rectangle 25">
+            <a:extLst>
+              <a:ext uri="{FF2B5EF4-FFF2-40B4-BE49-F238E27FC236}">
+                <a16:creationId xmlns:a16="http://schemas.microsoft.com/office/drawing/2014/main" id="{79F3C543-62EC-4433-9C93-A2CD8764E9B4}"/>
+              </a:ext>
+              <a:ext uri="{C183D7F6-B498-43B3-948B-1728B52AA6E4}">
+                <adec:decorative xmlns:adec="http://schemas.microsoft.com/office/drawing/2017/decorative" val="1"/>
+              </a:ext>
+            </a:extLst>
+          </p:cNvPr>
+          <p:cNvSpPr>
+            <a:spLocks noGrp="1" noRot="1" noChangeAspect="1" noMove="1" noResize="1" noEditPoints="1" noAdjustHandles="1" noChangeArrowheads="1" noChangeShapeType="1" noTextEdit="1"/>
+          </p:cNvSpPr>
+          <p:nvPr>
+            <p:extLst>
+              <p:ext uri="{386F3935-93C4-4BCD-93E2-E3B085C9AB24}">
+                <p16:designElem xmlns:p16="http://schemas.microsoft.com/office/powerpoint/2015/main" val="1"/>
+              </p:ext>
+            </p:extLst>
+          </p:nvPr>
+        </p:nvSpPr>
+        <p:spPr>
+          <a:xfrm flipV="1">
+            <a:off x="578652" y="4501201"/>
+            <a:ext cx="11034696" cy="18288"/>
+          </a:xfrm>
+          <a:prstGeom prst="rect">
+            <a:avLst/>
+          </a:prstGeom>
+          <a:solidFill>
+            <a:schemeClr val="tx2">
+              <a:lumMod val="25000"/>
+              <a:lumOff val="75000"/>
+            </a:schemeClr>
+          </a:solidFill>
+          <a:ln w="3175">
+            <a:noFill/>
+          </a:ln>
+          <a:effectLst/>
+        </p:spPr>
+        <p:style>
+          <a:lnRef idx="2">
+            <a:schemeClr val="accent1">
+              <a:shade val="50000"/>
+            </a:schemeClr>
+          </a:lnRef>
+          <a:fillRef idx="1">
+            <a:schemeClr val="accent1"/>
+          </a:fillRef>
+          <a:effectRef idx="0">
+            <a:schemeClr val="accent1"/>
+          </a:effectRef>
+          <a:fontRef idx="minor">
+            <a:schemeClr val="lt1"/>
+          </a:fontRef>
+        </p:style>
+        <p:txBody>
+          <a:bodyPr rtlCol="0" anchor="ctr"/>
+          <a:lstStyle/>
+          <a:p>
+            <a:pPr marL="0" marR="0" lvl="0" indent="0" algn="ctr" defTabSz="914400" rtl="0" eaLnBrk="1" fontAlgn="auto" latinLnBrk="0" hangingPunct="1">
+              <a:lnSpc>
+                <a:spcPct val="100000"/>
+              </a:lnSpc>
+              <a:spcBef>
+                <a:spcPts val="0"/>
+              </a:spcBef>
+              <a:spcAft>
+                <a:spcPts val="0"/>
+              </a:spcAft>
+              <a:buClrTx/>
+              <a:buSzTx/>
+              <a:buFontTx/>
+              <a:buNone/>
+              <a:tabLst/>
+              <a:defRPr/>
+            </a:pPr>
+            <a:endParaRPr kumimoji="0" lang="en-US" sz="1800" b="0" i="0" u="none" strike="noStrike" kern="1200" cap="none" spc="0" normalizeH="0" baseline="0" noProof="0">
+              <a:ln>
+                <a:noFill/>
+              </a:ln>
+              <a:solidFill>
+                <a:prstClr val="white"/>
+              </a:solidFill>
+              <a:effectLst/>
+              <a:uLnTx/>
+              <a:uFillTx/>
+              <a:latin typeface="Calibri" panose="020F0502020204030204"/>
+              <a:ea typeface="+mn-ea"/>
+              <a:cs typeface="+mn-cs"/>
+            </a:endParaRPr>
+          </a:p>
+        </p:txBody>
+      </p:sp>
+      <p:sp useBgFill="1">
+        <p:nvSpPr>
+          <p:cNvPr id="28" name="Rectangle 27">
+            <a:extLst>
+              <a:ext uri="{FF2B5EF4-FFF2-40B4-BE49-F238E27FC236}">
+                <a16:creationId xmlns:a16="http://schemas.microsoft.com/office/drawing/2014/main" id="{68AF5748-FED8-45BA-8631-26D1D10F3246}"/>
+              </a:ext>
+              <a:ext uri="{C183D7F6-B498-43B3-948B-1728B52AA6E4}">
+                <adec:decorative xmlns:adec="http://schemas.microsoft.com/office/drawing/2017/decorative" val="1"/>
+              </a:ext>
+            </a:extLst>
+          </p:cNvPr>
+          <p:cNvSpPr>
+            <a:spLocks noGrp="1" noRot="1" noChangeAspect="1" noMove="1" noResize="1" noEditPoints="1" noAdjustHandles="1" noChangeArrowheads="1" noChangeShapeType="1" noTextEdit="1"/>
+          </p:cNvSpPr>
+          <p:nvPr>
+            <p:extLst>
+              <p:ext uri="{386F3935-93C4-4BCD-93E2-E3B085C9AB24}">
+                <p16:designElem xmlns:p16="http://schemas.microsoft.com/office/powerpoint/2015/main" val="1"/>
+              </p:ext>
+            </p:extLst>
+          </p:nvPr>
+        </p:nvSpPr>
+        <p:spPr>
+          <a:xfrm>
+            <a:off x="0" y="0"/>
+            <a:ext cx="12192000" cy="6858000"/>
+          </a:xfrm>
+          <a:prstGeom prst="rect">
+            <a:avLst/>
+          </a:prstGeom>
+          <a:ln>
+            <a:noFill/>
+          </a:ln>
+        </p:spPr>
+        <p:style>
+          <a:lnRef idx="2">
+            <a:schemeClr val="accent1">
+              <a:shade val="50000"/>
+            </a:schemeClr>
+          </a:lnRef>
+          <a:fillRef idx="1">
+            <a:schemeClr val="accent1"/>
+          </a:fillRef>
+          <a:effectRef idx="0">
+            <a:schemeClr val="accent1"/>
+          </a:effectRef>
+          <a:fontRef idx="minor">
+            <a:schemeClr val="lt1"/>
+          </a:fontRef>
+        </p:style>
+        <p:txBody>
+          <a:bodyPr rtlCol="0" anchor="ctr"/>
+          <a:lstStyle/>
+          <a:p>
+            <a:pPr algn="ctr"/>
+            <a:endParaRPr lang="en-US"/>
+          </a:p>
+        </p:txBody>
+      </p:sp>
+      <mc:AlternateContent xmlns:mc="http://schemas.openxmlformats.org/markup-compatibility/2006">
+        <mc:Choice xmlns:a14="http://schemas.microsoft.com/office/drawing/2010/main" Requires="a14">
+          <p:sp>
+            <p:nvSpPr>
+              <p:cNvPr id="2" name="Title 1">
+                <a:extLst>
+                  <a:ext uri="{FF2B5EF4-FFF2-40B4-BE49-F238E27FC236}">
+                    <a16:creationId xmlns:a16="http://schemas.microsoft.com/office/drawing/2014/main" id="{39C440C6-14AF-590E-9858-CD9E9695AB95}"/>
+                  </a:ext>
+                </a:extLst>
+              </p:cNvPr>
+              <p:cNvSpPr>
+                <a:spLocks noGrp="1"/>
+              </p:cNvSpPr>
+              <p:nvPr>
+                <p:ph type="title"/>
+              </p:nvPr>
+            </p:nvSpPr>
+            <p:spPr>
+              <a:xfrm>
+                <a:off x="477981" y="1122363"/>
+                <a:ext cx="4023360" cy="3204134"/>
+              </a:xfrm>
+            </p:spPr>
+            <p:txBody>
+              <a:bodyPr vert="horz" lIns="91440" tIns="45720" rIns="91440" bIns="45720" rtlCol="0" anchor="b">
+                <a:normAutofit/>
+              </a:bodyPr>
+              <a:lstStyle/>
+              <a:p>
+                <a:r>
+                  <a:rPr lang="en-US" sz="3000"/>
+                  <a:t>Αλγόριθμος χρονικής πολυπλοκότητας O</a:t>
+                </a:r>
+                <a14:m>
+                  <m:oMath xmlns:m="http://schemas.openxmlformats.org/officeDocument/2006/math">
+                    <m:d>
+                      <m:dPr>
+                        <m:ctrlPr>
+                          <a:rPr lang="en-US" sz="3000" b="0" i="1">
+                            <a:latin typeface="Cambria Math" panose="02040503050406030204" pitchFamily="18" charset="0"/>
+                          </a:rPr>
+                        </m:ctrlPr>
+                      </m:dPr>
+                      <m:e>
+                        <m:r>
+                          <a:rPr lang="en-US" sz="3000" b="0" i="1">
+                            <a:latin typeface="Cambria Math" panose="02040503050406030204" pitchFamily="18" charset="0"/>
+                          </a:rPr>
+                          <m:t>𝑛</m:t>
+                        </m:r>
+                        <m:func>
+                          <m:funcPr>
+                            <m:ctrlPr>
+                              <a:rPr lang="en-US" sz="3000" b="0" i="1">
+                                <a:latin typeface="Cambria Math" panose="02040503050406030204" pitchFamily="18" charset="0"/>
+                              </a:rPr>
+                            </m:ctrlPr>
+                          </m:funcPr>
+                          <m:fName>
+                            <m:r>
+                              <m:rPr>
+                                <m:sty m:val="p"/>
+                              </m:rPr>
+                              <a:rPr lang="en-US" sz="3000" b="0" i="0">
+                                <a:latin typeface="Cambria Math" panose="02040503050406030204" pitchFamily="18" charset="0"/>
+                              </a:rPr>
+                              <m:t>log</m:t>
+                            </m:r>
+                          </m:fName>
+                          <m:e>
+                            <m:r>
+                              <a:rPr lang="en-US" sz="3000" b="0" i="1">
+                                <a:latin typeface="Cambria Math" panose="02040503050406030204" pitchFamily="18" charset="0"/>
+                              </a:rPr>
+                              <m:t>𝑛</m:t>
+                            </m:r>
+                          </m:e>
+                        </m:func>
+                      </m:e>
+                    </m:d>
+                  </m:oMath>
+                </a14:m>
+                <a:br>
+                  <a:rPr lang="en-US" sz="3000" b="0"/>
+                </a:br>
+                <a:r>
+                  <a:rPr lang="en-US" sz="3000" b="0"/>
+                  <a:t>για τον υπολογισμό του Ελάχιστου Περικλείοντος Κύκλου</a:t>
+                </a:r>
+                <a:endParaRPr lang="en-US" sz="3000"/>
+              </a:p>
+            </p:txBody>
+          </p:sp>
+        </mc:Choice>
+        <mc:Fallback>
+          <p:sp>
+            <p:nvSpPr>
+              <p:cNvPr id="2" name="Title 1">
+                <a:extLst>
+                  <a:ext uri="{FF2B5EF4-FFF2-40B4-BE49-F238E27FC236}">
+                    <a16:creationId xmlns:a16="http://schemas.microsoft.com/office/drawing/2014/main" id="{39C440C6-14AF-590E-9858-CD9E9695AB95}"/>
+                  </a:ext>
+                </a:extLst>
+              </p:cNvPr>
+              <p:cNvSpPr>
+                <a:spLocks noGrp="1" noRot="1" noChangeAspect="1" noMove="1" noResize="1" noEditPoints="1" noAdjustHandles="1" noChangeArrowheads="1" noChangeShapeType="1" noTextEdit="1"/>
+              </p:cNvSpPr>
+              <p:nvPr>
+                <p:ph type="title"/>
+              </p:nvPr>
+            </p:nvSpPr>
+            <p:spPr>
+              <a:xfrm>
+                <a:off x="477981" y="1122363"/>
+                <a:ext cx="4023360" cy="3204134"/>
+              </a:xfrm>
+              <a:blipFill>
+                <a:blip r:embed="rId2"/>
+                <a:stretch>
+                  <a:fillRect l="-3485" r="-909" b="-6084"/>
+                </a:stretch>
+              </a:blipFill>
+            </p:spPr>
+            <p:txBody>
+              <a:bodyPr/>
+              <a:lstStyle/>
+              <a:p>
+                <a:r>
+                  <a:rPr lang="en-US">
+                    <a:noFill/>
+                  </a:rPr>
+                  <a:t> </a:t>
+                </a:r>
+              </a:p>
+            </p:txBody>
+          </p:sp>
+        </mc:Fallback>
+      </mc:AlternateContent>
+      <p:sp>
+        <p:nvSpPr>
+          <p:cNvPr id="30" name="Rectangle 29">
+            <a:extLst>
+              <a:ext uri="{FF2B5EF4-FFF2-40B4-BE49-F238E27FC236}">
+                <a16:creationId xmlns:a16="http://schemas.microsoft.com/office/drawing/2014/main" id="{AF2F604E-43BE-4DC3-B983-E071523364F8}"/>
+              </a:ext>
+              <a:ext uri="{C183D7F6-B498-43B3-948B-1728B52AA6E4}">
+                <adec:decorative xmlns:adec="http://schemas.microsoft.com/office/drawing/2017/decorative" val="1"/>
+              </a:ext>
+            </a:extLst>
+          </p:cNvPr>
+          <p:cNvSpPr>
+            <a:spLocks noGrp="1" noRot="1" noChangeAspect="1" noMove="1" noResize="1" noEditPoints="1" noAdjustHandles="1" noChangeArrowheads="1" noChangeShapeType="1" noTextEdit="1"/>
+          </p:cNvSpPr>
+          <p:nvPr>
+            <p:extLst>
+              <p:ext uri="{386F3935-93C4-4BCD-93E2-E3B085C9AB24}">
+                <p16:designElem xmlns:p16="http://schemas.microsoft.com/office/powerpoint/2015/main" val="1"/>
+              </p:ext>
+            </p:extLst>
+          </p:nvPr>
+        </p:nvSpPr>
+        <p:spPr>
+          <a:xfrm rot="5400000">
+            <a:off x="759921" y="346791"/>
+            <a:ext cx="146304" cy="704088"/>
+          </a:xfrm>
+          <a:prstGeom prst="rect">
+            <a:avLst/>
+          </a:prstGeom>
+          <a:solidFill>
+            <a:schemeClr val="accent1"/>
+          </a:solidFill>
+          <a:ln>
+            <a:noFill/>
+          </a:ln>
+        </p:spPr>
+        <p:style>
+          <a:lnRef idx="2">
+            <a:schemeClr val="accent1">
+              <a:shade val="50000"/>
+            </a:schemeClr>
+          </a:lnRef>
+          <a:fillRef idx="1">
+            <a:schemeClr val="accent1"/>
+          </a:fillRef>
+          <a:effectRef idx="0">
+            <a:schemeClr val="accent1"/>
+          </a:effectRef>
+          <a:fontRef idx="minor">
+            <a:schemeClr val="lt1"/>
+          </a:fontRef>
+        </p:style>
+        <p:txBody>
+          <a:bodyPr rtlCol="0" anchor="ctr"/>
+          <a:lstStyle/>
+          <a:p>
+            <a:pPr marL="0" marR="0" lvl="0" indent="0" algn="ctr" defTabSz="914400" rtl="0" eaLnBrk="1" fontAlgn="auto" latinLnBrk="0" hangingPunct="1">
+              <a:lnSpc>
+                <a:spcPct val="100000"/>
+              </a:lnSpc>
+              <a:spcBef>
+                <a:spcPts val="0"/>
+              </a:spcBef>
+              <a:spcAft>
+                <a:spcPts val="0"/>
+              </a:spcAft>
+              <a:buClrTx/>
+              <a:buSzTx/>
+              <a:buFontTx/>
+              <a:buNone/>
+              <a:tabLst/>
+              <a:defRPr/>
+            </a:pPr>
+            <a:endParaRPr kumimoji="0" lang="en-US" sz="1800" b="0" i="0" u="none" strike="noStrike" kern="1200" cap="none" spc="0" normalizeH="0" baseline="0" noProof="0">
+              <a:ln>
+                <a:noFill/>
+              </a:ln>
+              <a:solidFill>
+                <a:prstClr val="white"/>
+              </a:solidFill>
+              <a:effectLst/>
+              <a:uLnTx/>
+              <a:uFillTx/>
+              <a:latin typeface="Calibri" panose="020F0502020204030204"/>
+              <a:ea typeface="+mn-ea"/>
+              <a:cs typeface="+mn-cs"/>
+            </a:endParaRPr>
+          </a:p>
+        </p:txBody>
+      </p:sp>
+      <p:sp>
+        <p:nvSpPr>
+          <p:cNvPr id="32" name="Rectangle 31">
+            <a:extLst>
+              <a:ext uri="{FF2B5EF4-FFF2-40B4-BE49-F238E27FC236}">
+                <a16:creationId xmlns:a16="http://schemas.microsoft.com/office/drawing/2014/main" id="{08C9B587-E65E-4B52-B37C-ABEBB6E87928}"/>
+              </a:ext>
+              <a:ext uri="{C183D7F6-B498-43B3-948B-1728B52AA6E4}">
+                <adec:decorative xmlns:adec="http://schemas.microsoft.com/office/drawing/2017/decorative" val="1"/>
+              </a:ext>
+            </a:extLst>
+          </p:cNvPr>
+          <p:cNvSpPr>
+            <a:spLocks noGrp="1" noRot="1" noChangeAspect="1" noMove="1" noResize="1" noEditPoints="1" noAdjustHandles="1" noChangeArrowheads="1" noChangeShapeType="1" noTextEdit="1"/>
+          </p:cNvSpPr>
+          <p:nvPr>
+            <p:extLst>
+              <p:ext uri="{386F3935-93C4-4BCD-93E2-E3B085C9AB24}">
+                <p16:designElem xmlns:p16="http://schemas.microsoft.com/office/powerpoint/2015/main" val="1"/>
+              </p:ext>
+            </p:extLst>
+          </p:nvPr>
+        </p:nvSpPr>
+        <p:spPr>
+          <a:xfrm>
+            <a:off x="481029" y="4546920"/>
+            <a:ext cx="4023360" cy="18288"/>
+          </a:xfrm>
+          <a:prstGeom prst="rect">
+            <a:avLst/>
+          </a:prstGeom>
+          <a:solidFill>
+            <a:schemeClr val="tx2">
+              <a:lumMod val="25000"/>
+              <a:lumOff val="75000"/>
+            </a:schemeClr>
+          </a:solidFill>
+          <a:ln w="3175">
+            <a:noFill/>
+          </a:ln>
+          <a:effectLst/>
+        </p:spPr>
+        <p:style>
+          <a:lnRef idx="2">
+            <a:schemeClr val="accent1">
+              <a:shade val="50000"/>
+            </a:schemeClr>
+          </a:lnRef>
+          <a:fillRef idx="1">
+            <a:schemeClr val="accent1"/>
+          </a:fillRef>
+          <a:effectRef idx="0">
+            <a:schemeClr val="accent1"/>
+          </a:effectRef>
+          <a:fontRef idx="minor">
+            <a:schemeClr val="lt1"/>
+          </a:fontRef>
+        </p:style>
+        <p:txBody>
+          <a:bodyPr rtlCol="0" anchor="ctr"/>
+          <a:lstStyle/>
+          <a:p>
+            <a:pPr marL="0" marR="0" lvl="0" indent="0" algn="ctr" defTabSz="914400" rtl="0" eaLnBrk="1" fontAlgn="auto" latinLnBrk="0" hangingPunct="1">
+              <a:lnSpc>
+                <a:spcPct val="100000"/>
+              </a:lnSpc>
+              <a:spcBef>
+                <a:spcPts val="0"/>
+              </a:spcBef>
+              <a:spcAft>
+                <a:spcPts val="0"/>
+              </a:spcAft>
+              <a:buClrTx/>
+              <a:buSzTx/>
+              <a:buFontTx/>
+              <a:buNone/>
+              <a:tabLst/>
+              <a:defRPr/>
+            </a:pPr>
+            <a:endParaRPr kumimoji="0" lang="en-US" sz="1800" b="0" i="0" u="none" strike="noStrike" kern="1200" cap="none" spc="0" normalizeH="0" baseline="0" noProof="0">
+              <a:ln>
+                <a:noFill/>
+              </a:ln>
+              <a:solidFill>
+                <a:prstClr val="white"/>
+              </a:solidFill>
+              <a:effectLst/>
+              <a:uLnTx/>
+              <a:uFillTx/>
+              <a:latin typeface="Calibri" panose="020F0502020204030204"/>
+              <a:ea typeface="+mn-ea"/>
+              <a:cs typeface="+mn-cs"/>
+            </a:endParaRPr>
+          </a:p>
+        </p:txBody>
+      </p:sp>
+      <p:pic>
+        <p:nvPicPr>
+          <p:cNvPr id="4" name="Content Placeholder 4" descr="Text, letter&#10;&#10;Description automatically generated">
+            <a:extLst>
+              <a:ext uri="{FF2B5EF4-FFF2-40B4-BE49-F238E27FC236}">
+                <a16:creationId xmlns:a16="http://schemas.microsoft.com/office/drawing/2014/main" id="{DC3D18FE-FC9D-1327-0CFE-C13E82F47284}"/>
+              </a:ext>
+            </a:extLst>
+          </p:cNvPr>
+          <p:cNvPicPr>
+            <a:picLocks noGrp="1" noChangeAspect="1"/>
+          </p:cNvPicPr>
+          <p:nvPr>
+            <p:ph idx="1"/>
+          </p:nvPr>
+        </p:nvPicPr>
+        <p:blipFill>
+          <a:blip r:embed="rId3">
+            <a:extLst>
+              <a:ext uri="{28A0092B-C50C-407E-A947-70E740481C1C}">
+                <a14:useLocalDpi xmlns:a14="http://schemas.microsoft.com/office/drawing/2010/main" val="0"/>
+              </a:ext>
+            </a:extLst>
+          </a:blip>
+          <a:stretch>
+            <a:fillRect/>
+          </a:stretch>
+        </p:blipFill>
+        <p:spPr>
+          <a:xfrm>
+            <a:off x="4864608" y="1676014"/>
+            <a:ext cx="6846363" cy="3354718"/>
+          </a:xfrm>
+          <a:prstGeom prst="rect">
+            <a:avLst/>
+          </a:prstGeom>
+        </p:spPr>
+      </p:pic>
+    </p:spTree>
+    <p:extLst>
+      <p:ext uri="{BB962C8B-B14F-4D97-AF65-F5344CB8AC3E}">
+        <p14:creationId xmlns:p14="http://schemas.microsoft.com/office/powerpoint/2010/main" val="426480899"/>
+      </p:ext>
+    </p:extLst>
+  </p:cSld>
+  <p:clrMapOvr>
+    <a:masterClrMapping/>
+  </p:clrMapOvr>
+</p:sld>
+</file>
+
+<file path=ppt/slides/slide24.xml><?xml version="1.0" encoding="utf-8"?>
 <p:sld xmlns:a="http://schemas.openxmlformats.org/drawingml/2006/main" xmlns:r="http://schemas.openxmlformats.org/officeDocument/2006/relationships" xmlns:p="http://schemas.openxmlformats.org/presentationml/2006/main">
   <p:cSld>
     <p:bg>
@@ -8393,8 +9124,8 @@
           </a:p>
         </p:txBody>
       </p:sp>
-      <mc:AlternateContent xmlns:mc="http://schemas.openxmlformats.org/markup-compatibility/2006">
-        <mc:Choice xmlns:a14="http://schemas.microsoft.com/office/drawing/2010/main" Requires="a14">
+      <mc:AlternateContent xmlns:mc="http://schemas.openxmlformats.org/markup-compatibility/2006" xmlns:a14="http://schemas.microsoft.com/office/drawing/2010/main">
+        <mc:Choice Requires="a14">
           <p:sp>
             <p:nvSpPr>
               <p:cNvPr id="2" name="Title 1">
@@ -8523,7 +9254,7 @@
             </p:txBody>
           </p:sp>
         </mc:Choice>
-        <mc:Fallback>
+        <mc:Fallback xmlns="">
           <p:sp>
             <p:nvSpPr>
               <p:cNvPr id="2" name="Title 1">
@@ -8806,100 +9537,6 @@
 </p:sld>
 </file>
 
-<file path=ppt/slides/slide24.xml><?xml version="1.0" encoding="utf-8"?>
-<p:sld xmlns:a="http://schemas.openxmlformats.org/drawingml/2006/main" xmlns:r="http://schemas.openxmlformats.org/officeDocument/2006/relationships" xmlns:p="http://schemas.openxmlformats.org/presentationml/2006/main">
-  <p:cSld>
-    <p:spTree>
-      <p:nvGrpSpPr>
-        <p:cNvPr id="1" name=""/>
-        <p:cNvGrpSpPr/>
-        <p:nvPr/>
-      </p:nvGrpSpPr>
-      <p:grpSpPr>
-        <a:xfrm>
-          <a:off x="0" y="0"/>
-          <a:ext cx="0" cy="0"/>
-          <a:chOff x="0" y="0"/>
-          <a:chExt cx="0" cy="0"/>
-        </a:xfrm>
-      </p:grpSpPr>
-      <p:sp>
-        <p:nvSpPr>
-          <p:cNvPr id="2" name="Title 1">
-            <a:extLst>
-              <a:ext uri="{FF2B5EF4-FFF2-40B4-BE49-F238E27FC236}">
-                <a16:creationId xmlns:a16="http://schemas.microsoft.com/office/drawing/2014/main" id="{8FDF6042-B0F3-6736-99BF-E3CAF4F89F5C}"/>
-              </a:ext>
-            </a:extLst>
-          </p:cNvPr>
-          <p:cNvSpPr>
-            <a:spLocks noGrp="1"/>
-          </p:cNvSpPr>
-          <p:nvPr>
-            <p:ph type="title"/>
-          </p:nvPr>
-        </p:nvSpPr>
-        <p:spPr/>
-        <p:txBody>
-          <a:bodyPr/>
-          <a:lstStyle/>
-          <a:p>
-            <a:r>
-              <a:rPr lang="el-GR" dirty="0"/>
-              <a:t>Σύνολο σημείων Κυρτού Περιβλήματος</a:t>
-            </a:r>
-            <a:endParaRPr lang="en-US" dirty="0"/>
-          </a:p>
-        </p:txBody>
-      </p:sp>
-      <p:pic>
-        <p:nvPicPr>
-          <p:cNvPr id="5" name="Content Placeholder 4" descr="Chart, scatter chart&#10;&#10;Description automatically generated">
-            <a:extLst>
-              <a:ext uri="{FF2B5EF4-FFF2-40B4-BE49-F238E27FC236}">
-                <a16:creationId xmlns:a16="http://schemas.microsoft.com/office/drawing/2014/main" id="{273FE7CB-FC51-D8D4-8FC7-B32AC256D6B2}"/>
-              </a:ext>
-            </a:extLst>
-          </p:cNvPr>
-          <p:cNvPicPr>
-            <a:picLocks noGrp="1" noChangeAspect="1"/>
-          </p:cNvPicPr>
-          <p:nvPr>
-            <p:ph idx="1"/>
-          </p:nvPr>
-        </p:nvPicPr>
-        <p:blipFill>
-          <a:blip r:embed="rId2">
-            <a:extLst>
-              <a:ext uri="{28A0092B-C50C-407E-A947-70E740481C1C}">
-                <a14:useLocalDpi xmlns:a14="http://schemas.microsoft.com/office/drawing/2010/main" val="0"/>
-              </a:ext>
-            </a:extLst>
-          </a:blip>
-          <a:stretch>
-            <a:fillRect/>
-          </a:stretch>
-        </p:blipFill>
-        <p:spPr>
-          <a:xfrm>
-            <a:off x="4561453" y="2819984"/>
-            <a:ext cx="3277057" cy="3010320"/>
-          </a:xfrm>
-        </p:spPr>
-      </p:pic>
-    </p:spTree>
-    <p:extLst>
-      <p:ext uri="{BB962C8B-B14F-4D97-AF65-F5344CB8AC3E}">
-        <p14:creationId xmlns:p14="http://schemas.microsoft.com/office/powerpoint/2010/main" val="2091872285"/>
-      </p:ext>
-    </p:extLst>
-  </p:cSld>
-  <p:clrMapOvr>
-    <a:masterClrMapping/>
-  </p:clrMapOvr>
-</p:sld>
-</file>
-
 <file path=ppt/slides/slide25.xml><?xml version="1.0" encoding="utf-8"?>
 <p:sld xmlns:a="http://schemas.openxmlformats.org/drawingml/2006/main" xmlns:r="http://schemas.openxmlformats.org/officeDocument/2006/relationships" xmlns:p="http://schemas.openxmlformats.org/presentationml/2006/main">
   <p:cSld>
@@ -8922,7 +9559,7 @@
           <p:cNvPr id="2" name="Title 1">
             <a:extLst>
               <a:ext uri="{FF2B5EF4-FFF2-40B4-BE49-F238E27FC236}">
-                <a16:creationId xmlns:a16="http://schemas.microsoft.com/office/drawing/2014/main" id="{96648848-8B5D-D521-787C-BF653A5B6220}"/>
+                <a16:creationId xmlns:a16="http://schemas.microsoft.com/office/drawing/2014/main" id="{8FDF6042-B0F3-6736-99BF-E3CAF4F89F5C}"/>
               </a:ext>
             </a:extLst>
           </p:cNvPr>
@@ -8951,7 +9588,7 @@
           <p:cNvPr id="5" name="Content Placeholder 4" descr="Chart, scatter chart&#10;&#10;Description automatically generated">
             <a:extLst>
               <a:ext uri="{FF2B5EF4-FFF2-40B4-BE49-F238E27FC236}">
-                <a16:creationId xmlns:a16="http://schemas.microsoft.com/office/drawing/2014/main" id="{A73DA3F1-1360-1306-B387-5854B6AFA7CA}"/>
+                <a16:creationId xmlns:a16="http://schemas.microsoft.com/office/drawing/2014/main" id="{273FE7CB-FC51-D8D4-8FC7-B32AC256D6B2}"/>
               </a:ext>
             </a:extLst>
           </p:cNvPr>
@@ -8976,15 +9613,15 @@
         </p:blipFill>
         <p:spPr>
           <a:xfrm>
-            <a:off x="4443816" y="2896194"/>
-            <a:ext cx="3358412" cy="3043878"/>
+            <a:off x="4561453" y="2819984"/>
+            <a:ext cx="3277057" cy="3010320"/>
           </a:xfrm>
         </p:spPr>
       </p:pic>
     </p:spTree>
     <p:extLst>
       <p:ext uri="{BB962C8B-B14F-4D97-AF65-F5344CB8AC3E}">
-        <p14:creationId xmlns:p14="http://schemas.microsoft.com/office/powerpoint/2010/main" val="1093298137"/>
+        <p14:creationId xmlns:p14="http://schemas.microsoft.com/office/powerpoint/2010/main" val="2091872285"/>
       </p:ext>
     </p:extLst>
   </p:cSld>
@@ -9016,7 +9653,7 @@
           <p:cNvPr id="2" name="Title 1">
             <a:extLst>
               <a:ext uri="{FF2B5EF4-FFF2-40B4-BE49-F238E27FC236}">
-                <a16:creationId xmlns:a16="http://schemas.microsoft.com/office/drawing/2014/main" id="{E6477D87-C298-EF26-08DF-C93121A60EA3}"/>
+                <a16:creationId xmlns:a16="http://schemas.microsoft.com/office/drawing/2014/main" id="{96648848-8B5D-D521-787C-BF653A5B6220}"/>
               </a:ext>
             </a:extLst>
           </p:cNvPr>
@@ -9042,10 +9679,10 @@
       </p:sp>
       <p:pic>
         <p:nvPicPr>
-          <p:cNvPr id="7" name="Content Placeholder 6" descr="A picture containing diagram&#10;&#10;Description automatically generated">
-            <a:extLst>
-              <a:ext uri="{FF2B5EF4-FFF2-40B4-BE49-F238E27FC236}">
-                <a16:creationId xmlns:a16="http://schemas.microsoft.com/office/drawing/2014/main" id="{22436EC0-F9BB-F006-4E84-A58009AAFB75}"/>
+          <p:cNvPr id="5" name="Content Placeholder 4" descr="Chart, scatter chart&#10;&#10;Description automatically generated">
+            <a:extLst>
+              <a:ext uri="{FF2B5EF4-FFF2-40B4-BE49-F238E27FC236}">
+                <a16:creationId xmlns:a16="http://schemas.microsoft.com/office/drawing/2014/main" id="{A73DA3F1-1360-1306-B387-5854B6AFA7CA}"/>
               </a:ext>
             </a:extLst>
           </p:cNvPr>
@@ -9070,15 +9707,15 @@
         </p:blipFill>
         <p:spPr>
           <a:xfrm>
-            <a:off x="4281444" y="2800931"/>
-            <a:ext cx="3633278" cy="3229580"/>
+            <a:off x="4443816" y="2896194"/>
+            <a:ext cx="3358412" cy="3043878"/>
           </a:xfrm>
         </p:spPr>
       </p:pic>
     </p:spTree>
     <p:extLst>
       <p:ext uri="{BB962C8B-B14F-4D97-AF65-F5344CB8AC3E}">
-        <p14:creationId xmlns:p14="http://schemas.microsoft.com/office/powerpoint/2010/main" val="1922972184"/>
+        <p14:creationId xmlns:p14="http://schemas.microsoft.com/office/powerpoint/2010/main" val="1093298137"/>
       </p:ext>
     </p:extLst>
   </p:cSld>
@@ -9110,6 +9747,100 @@
           <p:cNvPr id="2" name="Title 1">
             <a:extLst>
               <a:ext uri="{FF2B5EF4-FFF2-40B4-BE49-F238E27FC236}">
+                <a16:creationId xmlns:a16="http://schemas.microsoft.com/office/drawing/2014/main" id="{E6477D87-C298-EF26-08DF-C93121A60EA3}"/>
+              </a:ext>
+            </a:extLst>
+          </p:cNvPr>
+          <p:cNvSpPr>
+            <a:spLocks noGrp="1"/>
+          </p:cNvSpPr>
+          <p:nvPr>
+            <p:ph type="title"/>
+          </p:nvPr>
+        </p:nvSpPr>
+        <p:spPr/>
+        <p:txBody>
+          <a:bodyPr/>
+          <a:lstStyle/>
+          <a:p>
+            <a:r>
+              <a:rPr lang="el-GR" dirty="0"/>
+              <a:t>Σύνολο σημείων Κυρτού Περιβλήματος</a:t>
+            </a:r>
+            <a:endParaRPr lang="en-US" dirty="0"/>
+          </a:p>
+        </p:txBody>
+      </p:sp>
+      <p:pic>
+        <p:nvPicPr>
+          <p:cNvPr id="7" name="Content Placeholder 6" descr="A picture containing diagram&#10;&#10;Description automatically generated">
+            <a:extLst>
+              <a:ext uri="{FF2B5EF4-FFF2-40B4-BE49-F238E27FC236}">
+                <a16:creationId xmlns:a16="http://schemas.microsoft.com/office/drawing/2014/main" id="{22436EC0-F9BB-F006-4E84-A58009AAFB75}"/>
+              </a:ext>
+            </a:extLst>
+          </p:cNvPr>
+          <p:cNvPicPr>
+            <a:picLocks noGrp="1" noChangeAspect="1"/>
+          </p:cNvPicPr>
+          <p:nvPr>
+            <p:ph idx="1"/>
+          </p:nvPr>
+        </p:nvPicPr>
+        <p:blipFill>
+          <a:blip r:embed="rId2">
+            <a:extLst>
+              <a:ext uri="{28A0092B-C50C-407E-A947-70E740481C1C}">
+                <a14:useLocalDpi xmlns:a14="http://schemas.microsoft.com/office/drawing/2010/main" val="0"/>
+              </a:ext>
+            </a:extLst>
+          </a:blip>
+          <a:stretch>
+            <a:fillRect/>
+          </a:stretch>
+        </p:blipFill>
+        <p:spPr>
+          <a:xfrm>
+            <a:off x="4281444" y="2800931"/>
+            <a:ext cx="3633278" cy="3229580"/>
+          </a:xfrm>
+        </p:spPr>
+      </p:pic>
+    </p:spTree>
+    <p:extLst>
+      <p:ext uri="{BB962C8B-B14F-4D97-AF65-F5344CB8AC3E}">
+        <p14:creationId xmlns:p14="http://schemas.microsoft.com/office/powerpoint/2010/main" val="1922972184"/>
+      </p:ext>
+    </p:extLst>
+  </p:cSld>
+  <p:clrMapOvr>
+    <a:masterClrMapping/>
+  </p:clrMapOvr>
+</p:sld>
+</file>
+
+<file path=ppt/slides/slide28.xml><?xml version="1.0" encoding="utf-8"?>
+<p:sld xmlns:a="http://schemas.openxmlformats.org/drawingml/2006/main" xmlns:r="http://schemas.openxmlformats.org/officeDocument/2006/relationships" xmlns:p="http://schemas.openxmlformats.org/presentationml/2006/main">
+  <p:cSld>
+    <p:spTree>
+      <p:nvGrpSpPr>
+        <p:cNvPr id="1" name=""/>
+        <p:cNvGrpSpPr/>
+        <p:nvPr/>
+      </p:nvGrpSpPr>
+      <p:grpSpPr>
+        <a:xfrm>
+          <a:off x="0" y="0"/>
+          <a:ext cx="0" cy="0"/>
+          <a:chOff x="0" y="0"/>
+          <a:chExt cx="0" cy="0"/>
+        </a:xfrm>
+      </p:grpSpPr>
+      <p:sp>
+        <p:nvSpPr>
+          <p:cNvPr id="2" name="Title 1">
+            <a:extLst>
+              <a:ext uri="{FF2B5EF4-FFF2-40B4-BE49-F238E27FC236}">
                 <a16:creationId xmlns:a16="http://schemas.microsoft.com/office/drawing/2014/main" id="{4EE7135D-52E0-8EA8-B782-31E91FA0DEFB}"/>
               </a:ext>
             </a:extLst>
@@ -9200,7 +9931,7 @@
 </p:sld>
 </file>
 
-<file path=ppt/slides/slide28.xml><?xml version="1.0" encoding="utf-8"?>
+<file path=ppt/slides/slide29.xml><?xml version="1.0" encoding="utf-8"?>
 <p:sld xmlns:a="http://schemas.openxmlformats.org/drawingml/2006/main" xmlns:r="http://schemas.openxmlformats.org/officeDocument/2006/relationships" xmlns:p="http://schemas.openxmlformats.org/presentationml/2006/main">
   <p:cSld>
     <p:bg>
@@ -9811,8 +10542,8 @@
           </a:p>
         </p:txBody>
       </p:sp>
-      <mc:AlternateContent xmlns:mc="http://schemas.openxmlformats.org/markup-compatibility/2006">
-        <mc:Choice xmlns:a14="http://schemas.microsoft.com/office/drawing/2010/main" Requires="a14">
+      <mc:AlternateContent xmlns:mc="http://schemas.openxmlformats.org/markup-compatibility/2006" xmlns:a14="http://schemas.microsoft.com/office/drawing/2010/main">
+        <mc:Choice Requires="a14">
           <p:sp>
             <p:nvSpPr>
               <p:cNvPr id="2" name="Title 1">
@@ -9909,7 +10640,7 @@
             </p:txBody>
           </p:sp>
         </mc:Choice>
-        <mc:Fallback>
+        <mc:Fallback xmlns="">
           <p:sp>
             <p:nvSpPr>
               <p:cNvPr id="2" name="Title 1">
@@ -10183,118 +10914,6 @@
     <p:extLst>
       <p:ext uri="{BB962C8B-B14F-4D97-AF65-F5344CB8AC3E}">
         <p14:creationId xmlns:p14="http://schemas.microsoft.com/office/powerpoint/2010/main" val="4100024768"/>
-      </p:ext>
-    </p:extLst>
-  </p:cSld>
-  <p:clrMapOvr>
-    <a:masterClrMapping/>
-  </p:clrMapOvr>
-</p:sld>
-</file>
-
-<file path=ppt/slides/slide29.xml><?xml version="1.0" encoding="utf-8"?>
-<p:sld xmlns:a="http://schemas.openxmlformats.org/drawingml/2006/main" xmlns:r="http://schemas.openxmlformats.org/officeDocument/2006/relationships" xmlns:p="http://schemas.openxmlformats.org/presentationml/2006/main">
-  <p:cSld>
-    <p:spTree>
-      <p:nvGrpSpPr>
-        <p:cNvPr id="1" name=""/>
-        <p:cNvGrpSpPr/>
-        <p:nvPr/>
-      </p:nvGrpSpPr>
-      <p:grpSpPr>
-        <a:xfrm>
-          <a:off x="0" y="0"/>
-          <a:ext cx="0" cy="0"/>
-          <a:chOff x="0" y="0"/>
-          <a:chExt cx="0" cy="0"/>
-        </a:xfrm>
-      </p:grpSpPr>
-      <p:sp>
-        <p:nvSpPr>
-          <p:cNvPr id="2" name="Title 1">
-            <a:extLst>
-              <a:ext uri="{FF2B5EF4-FFF2-40B4-BE49-F238E27FC236}">
-                <a16:creationId xmlns:a16="http://schemas.microsoft.com/office/drawing/2014/main" id="{02B8FC03-9917-D8D6-531E-911D6A2B0AA9}"/>
-              </a:ext>
-            </a:extLst>
-          </p:cNvPr>
-          <p:cNvSpPr>
-            <a:spLocks noGrp="1"/>
-          </p:cNvSpPr>
-          <p:nvPr>
-            <p:ph type="title"/>
-          </p:nvPr>
-        </p:nvSpPr>
-        <p:spPr/>
-        <p:txBody>
-          <a:bodyPr>
-            <a:normAutofit fontScale="90000"/>
-          </a:bodyPr>
-          <a:lstStyle/>
-          <a:p>
-            <a:r>
-              <a:rPr lang="el-GR" dirty="0"/>
-              <a:t>Διάγραμμα </a:t>
-            </a:r>
-            <a:r>
-              <a:rPr lang="en-US" dirty="0"/>
-              <a:t>Voronoi </a:t>
-            </a:r>
-            <a:r>
-              <a:rPr lang="el-GR" dirty="0"/>
-              <a:t>του πιο Απομακρυσμένου Γείτονα (ή </a:t>
-            </a:r>
-            <a:r>
-              <a:rPr lang="en-US" dirty="0"/>
-              <a:t>n-1 </a:t>
-            </a:r>
-            <a:r>
-              <a:rPr lang="el-GR" dirty="0"/>
-              <a:t>τάξης)</a:t>
-            </a:r>
-            <a:endParaRPr lang="en-US" dirty="0"/>
-          </a:p>
-        </p:txBody>
-      </p:sp>
-      <p:pic>
-        <p:nvPicPr>
-          <p:cNvPr id="5" name="Content Placeholder 4" descr="Chart, line chart&#10;&#10;Description automatically generated">
-            <a:extLst>
-              <a:ext uri="{FF2B5EF4-FFF2-40B4-BE49-F238E27FC236}">
-                <a16:creationId xmlns:a16="http://schemas.microsoft.com/office/drawing/2014/main" id="{62A719E4-4A99-3D0B-0BEA-D57A4FF29A82}"/>
-              </a:ext>
-            </a:extLst>
-          </p:cNvPr>
-          <p:cNvPicPr>
-            <a:picLocks noGrp="1" noChangeAspect="1"/>
-          </p:cNvPicPr>
-          <p:nvPr>
-            <p:ph idx="1"/>
-          </p:nvPr>
-        </p:nvPicPr>
-        <p:blipFill>
-          <a:blip r:embed="rId2">
-            <a:extLst>
-              <a:ext uri="{28A0092B-C50C-407E-A947-70E740481C1C}">
-                <a14:useLocalDpi xmlns:a14="http://schemas.microsoft.com/office/drawing/2010/main" val="0"/>
-              </a:ext>
-            </a:extLst>
-          </a:blip>
-          <a:stretch>
-            <a:fillRect/>
-          </a:stretch>
-        </p:blipFill>
-        <p:spPr>
-          <a:xfrm>
-            <a:off x="4656716" y="2939063"/>
-            <a:ext cx="3086531" cy="2772162"/>
-          </a:xfrm>
-        </p:spPr>
-      </p:pic>
-    </p:spTree>
-    <p:extLst>
-      <p:ext uri="{BB962C8B-B14F-4D97-AF65-F5344CB8AC3E}">
-        <p14:creationId xmlns:p14="http://schemas.microsoft.com/office/powerpoint/2010/main" val="2967851837"/>
       </p:ext>
     </p:extLst>
   </p:cSld>
@@ -10915,8 +11534,8 @@
           </a:p>
         </p:txBody>
       </p:sp>
-      <mc:AlternateContent xmlns:mc="http://schemas.openxmlformats.org/markup-compatibility/2006">
-        <mc:Choice xmlns:a14="http://schemas.microsoft.com/office/drawing/2010/main" Requires="a14">
+      <mc:AlternateContent xmlns:mc="http://schemas.openxmlformats.org/markup-compatibility/2006" xmlns:a14="http://schemas.microsoft.com/office/drawing/2010/main">
+        <mc:Choice Requires="a14">
           <p:sp>
             <p:nvSpPr>
               <p:cNvPr id="2" name="Title 1">
@@ -11034,7 +11653,7 @@
             </p:txBody>
           </p:sp>
         </mc:Choice>
-        <mc:Fallback>
+        <mc:Fallback xmlns="">
           <p:sp>
             <p:nvSpPr>
               <p:cNvPr id="2" name="Title 1">
@@ -11320,14 +11939,6 @@
 <file path=ppt/slides/slide30.xml><?xml version="1.0" encoding="utf-8"?>
 <p:sld xmlns:a="http://schemas.openxmlformats.org/drawingml/2006/main" xmlns:r="http://schemas.openxmlformats.org/officeDocument/2006/relationships" xmlns:p="http://schemas.openxmlformats.org/presentationml/2006/main">
   <p:cSld>
-    <p:bg>
-      <p:bgPr>
-        <a:solidFill>
-          <a:schemeClr val="bg1"/>
-        </a:solidFill>
-        <a:effectLst/>
-      </p:bgPr>
-    </p:bg>
     <p:spTree>
       <p:nvGrpSpPr>
         <p:cNvPr id="1" name=""/>
@@ -11342,410 +11953,12 @@
           <a:chExt cx="0" cy="0"/>
         </a:xfrm>
       </p:grpSpPr>
-      <p:sp useBgFill="1">
-        <p:nvSpPr>
-          <p:cNvPr id="21" name="Rectangle 20">
-            <a:extLst>
-              <a:ext uri="{FF2B5EF4-FFF2-40B4-BE49-F238E27FC236}">
-                <a16:creationId xmlns:a16="http://schemas.microsoft.com/office/drawing/2014/main" id="{0288C6B4-AFC3-407F-A595-EFFD38D4CCAF}"/>
-              </a:ext>
-              <a:ext uri="{C183D7F6-B498-43B3-948B-1728B52AA6E4}">
-                <adec:decorative xmlns:adec="http://schemas.microsoft.com/office/drawing/2017/decorative" val="1"/>
-              </a:ext>
-            </a:extLst>
-          </p:cNvPr>
-          <p:cNvSpPr>
-            <a:spLocks noGrp="1" noRot="1" noChangeAspect="1" noMove="1" noResize="1" noEditPoints="1" noAdjustHandles="1" noChangeArrowheads="1" noChangeShapeType="1" noTextEdit="1"/>
-          </p:cNvSpPr>
-          <p:nvPr>
-            <p:extLst>
-              <p:ext uri="{386F3935-93C4-4BCD-93E2-E3B085C9AB24}">
-                <p16:designElem xmlns:p16="http://schemas.microsoft.com/office/powerpoint/2015/main" val="1"/>
-              </p:ext>
-            </p:extLst>
-          </p:nvPr>
-        </p:nvSpPr>
-        <p:spPr>
-          <a:xfrm>
-            <a:off x="0" y="0"/>
-            <a:ext cx="12192000" cy="6858000"/>
-          </a:xfrm>
-          <a:prstGeom prst="rect">
-            <a:avLst/>
-          </a:prstGeom>
-          <a:ln>
-            <a:noFill/>
-          </a:ln>
-        </p:spPr>
-        <p:style>
-          <a:lnRef idx="2">
-            <a:schemeClr val="accent1">
-              <a:shade val="50000"/>
-            </a:schemeClr>
-          </a:lnRef>
-          <a:fillRef idx="1">
-            <a:schemeClr val="accent1"/>
-          </a:fillRef>
-          <a:effectRef idx="0">
-            <a:schemeClr val="accent1"/>
-          </a:effectRef>
-          <a:fontRef idx="minor">
-            <a:schemeClr val="lt1"/>
-          </a:fontRef>
-        </p:style>
-        <p:txBody>
-          <a:bodyPr rtlCol="0" anchor="ctr"/>
-          <a:lstStyle/>
-          <a:p>
-            <a:pPr algn="ctr"/>
-            <a:endParaRPr lang="en-US"/>
-          </a:p>
-        </p:txBody>
-      </p:sp>
-      <p:sp useBgFill="1">
-        <p:nvSpPr>
-          <p:cNvPr id="23" name="Freeform: Shape 22">
-            <a:extLst>
-              <a:ext uri="{FF2B5EF4-FFF2-40B4-BE49-F238E27FC236}">
-                <a16:creationId xmlns:a16="http://schemas.microsoft.com/office/drawing/2014/main" id="{CF236821-17FE-429B-8D2C-08E13A64EA40}"/>
-              </a:ext>
-              <a:ext uri="{C183D7F6-B498-43B3-948B-1728B52AA6E4}">
-                <adec:decorative xmlns:adec="http://schemas.microsoft.com/office/drawing/2017/decorative" val="1"/>
-              </a:ext>
-            </a:extLst>
-          </p:cNvPr>
-          <p:cNvSpPr>
-            <a:spLocks noGrp="1" noRot="1" noChangeAspect="1" noMove="1" noResize="1" noEditPoints="1" noAdjustHandles="1" noChangeArrowheads="1" noChangeShapeType="1" noTextEdit="1"/>
-          </p:cNvSpPr>
-          <p:nvPr>
-            <p:extLst>
-              <p:ext uri="{386F3935-93C4-4BCD-93E2-E3B085C9AB24}">
-                <p16:designElem xmlns:p16="http://schemas.microsoft.com/office/powerpoint/2015/main" val="1"/>
-              </p:ext>
-            </p:extLst>
-          </p:nvPr>
-        </p:nvSpPr>
-        <p:spPr>
-          <a:xfrm>
-            <a:off x="-1" y="0"/>
-            <a:ext cx="4455673" cy="6858000"/>
-          </a:xfrm>
-          <a:custGeom>
-            <a:avLst/>
-            <a:gdLst>
-              <a:gd name="connsiteX0" fmla="*/ 0 w 4455673"/>
-              <a:gd name="connsiteY0" fmla="*/ 0 h 6858000"/>
-              <a:gd name="connsiteX1" fmla="*/ 3242695 w 4455673"/>
-              <a:gd name="connsiteY1" fmla="*/ 0 h 6858000"/>
-              <a:gd name="connsiteX2" fmla="*/ 3305678 w 4455673"/>
-              <a:gd name="connsiteY2" fmla="*/ 69271 h 6858000"/>
-              <a:gd name="connsiteX3" fmla="*/ 4455673 w 4455673"/>
-              <a:gd name="connsiteY3" fmla="*/ 3429000 h 6858000"/>
-              <a:gd name="connsiteX4" fmla="*/ 3305678 w 4455673"/>
-              <a:gd name="connsiteY4" fmla="*/ 6788730 h 6858000"/>
-              <a:gd name="connsiteX5" fmla="*/ 3242695 w 4455673"/>
-              <a:gd name="connsiteY5" fmla="*/ 6858000 h 6858000"/>
-              <a:gd name="connsiteX6" fmla="*/ 0 w 4455673"/>
-              <a:gd name="connsiteY6" fmla="*/ 6858000 h 6858000"/>
-            </a:gdLst>
-            <a:ahLst/>
-            <a:cxnLst>
-              <a:cxn ang="0">
-                <a:pos x="connsiteX0" y="connsiteY0"/>
-              </a:cxn>
-              <a:cxn ang="0">
-                <a:pos x="connsiteX1" y="connsiteY1"/>
-              </a:cxn>
-              <a:cxn ang="0">
-                <a:pos x="connsiteX2" y="connsiteY2"/>
-              </a:cxn>
-              <a:cxn ang="0">
-                <a:pos x="connsiteX3" y="connsiteY3"/>
-              </a:cxn>
-              <a:cxn ang="0">
-                <a:pos x="connsiteX4" y="connsiteY4"/>
-              </a:cxn>
-              <a:cxn ang="0">
-                <a:pos x="connsiteX5" y="connsiteY5"/>
-              </a:cxn>
-              <a:cxn ang="0">
-                <a:pos x="connsiteX6" y="connsiteY6"/>
-              </a:cxn>
-            </a:cxnLst>
-            <a:rect l="l" t="t" r="r" b="b"/>
-            <a:pathLst>
-              <a:path w="4455673" h="6858000">
-                <a:moveTo>
-                  <a:pt x="0" y="0"/>
-                </a:moveTo>
-                <a:lnTo>
-                  <a:pt x="3242695" y="0"/>
-                </a:lnTo>
-                <a:lnTo>
-                  <a:pt x="3305678" y="69271"/>
-                </a:lnTo>
-                <a:cubicBezTo>
-                  <a:pt x="4016204" y="929100"/>
-                  <a:pt x="4455673" y="2116944"/>
-                  <a:pt x="4455673" y="3429000"/>
-                </a:cubicBezTo>
-                <a:cubicBezTo>
-                  <a:pt x="4455673" y="4741056"/>
-                  <a:pt x="4016204" y="5928900"/>
-                  <a:pt x="3305678" y="6788730"/>
-                </a:cubicBezTo>
-                <a:lnTo>
-                  <a:pt x="3242695" y="6858000"/>
-                </a:lnTo>
-                <a:lnTo>
-                  <a:pt x="0" y="6858000"/>
-                </a:lnTo>
-                <a:close/>
-              </a:path>
-            </a:pathLst>
-          </a:custGeom>
-          <a:ln w="9525">
-            <a:solidFill>
-              <a:schemeClr val="tx2">
-                <a:lumMod val="10000"/>
-                <a:lumOff val="90000"/>
-              </a:schemeClr>
-            </a:solidFill>
-          </a:ln>
-          <a:effectLst>
-            <a:outerShdw blurRad="50800" dist="38100" algn="l" rotWithShape="0">
-              <a:schemeClr val="bg1">
-                <a:lumMod val="85000"/>
-                <a:alpha val="30000"/>
-              </a:schemeClr>
-            </a:outerShdw>
-          </a:effectLst>
-        </p:spPr>
-        <p:style>
-          <a:lnRef idx="2">
-            <a:schemeClr val="accent1">
-              <a:shade val="50000"/>
-            </a:schemeClr>
-          </a:lnRef>
-          <a:fillRef idx="1">
-            <a:schemeClr val="accent1"/>
-          </a:fillRef>
-          <a:effectRef idx="0">
-            <a:schemeClr val="accent1"/>
-          </a:effectRef>
-          <a:fontRef idx="minor">
-            <a:schemeClr val="lt1"/>
-          </a:fontRef>
-        </p:style>
-        <p:txBody>
-          <a:bodyPr wrap="square" rtlCol="0" anchor="ctr">
-            <a:noAutofit/>
-          </a:bodyPr>
-          <a:lstStyle/>
-          <a:p>
-            <a:pPr marL="0" marR="0" lvl="0" indent="0" algn="ctr" defTabSz="914400" rtl="0" eaLnBrk="1" fontAlgn="auto" latinLnBrk="0" hangingPunct="1">
-              <a:lnSpc>
-                <a:spcPct val="100000"/>
-              </a:lnSpc>
-              <a:spcBef>
-                <a:spcPts val="0"/>
-              </a:spcBef>
-              <a:spcAft>
-                <a:spcPts val="0"/>
-              </a:spcAft>
-              <a:buClrTx/>
-              <a:buSzTx/>
-              <a:buFontTx/>
-              <a:buNone/>
-              <a:tabLst/>
-              <a:defRPr/>
-            </a:pPr>
-            <a:endParaRPr kumimoji="0" lang="en-US" sz="1800" b="0" i="0" u="none" strike="noStrike" kern="1200" cap="none" spc="0" normalizeH="0" baseline="0" noProof="0">
-              <a:ln>
-                <a:noFill/>
-              </a:ln>
-              <a:solidFill>
-                <a:prstClr val="white"/>
-              </a:solidFill>
-              <a:effectLst/>
-              <a:uLnTx/>
-              <a:uFillTx/>
-              <a:latin typeface="Calibri" panose="020F0502020204030204"/>
-              <a:ea typeface="+mn-ea"/>
-              <a:cs typeface="+mn-cs"/>
-            </a:endParaRPr>
-          </a:p>
-        </p:txBody>
-      </p:sp>
-      <p:sp useBgFill="1">
-        <p:nvSpPr>
-          <p:cNvPr id="25" name="Freeform: Shape 24">
-            <a:extLst>
-              <a:ext uri="{FF2B5EF4-FFF2-40B4-BE49-F238E27FC236}">
-                <a16:creationId xmlns:a16="http://schemas.microsoft.com/office/drawing/2014/main" id="{C0BDBCD2-E081-43AB-9119-C55465E59757}"/>
-              </a:ext>
-              <a:ext uri="{C183D7F6-B498-43B3-948B-1728B52AA6E4}">
-                <adec:decorative xmlns:adec="http://schemas.microsoft.com/office/drawing/2017/decorative" val="1"/>
-              </a:ext>
-            </a:extLst>
-          </p:cNvPr>
-          <p:cNvSpPr>
-            <a:spLocks noGrp="1" noRot="1" noChangeAspect="1" noMove="1" noResize="1" noEditPoints="1" noAdjustHandles="1" noChangeArrowheads="1" noChangeShapeType="1" noTextEdit="1"/>
-          </p:cNvSpPr>
-          <p:nvPr>
-            <p:extLst>
-              <p:ext uri="{386F3935-93C4-4BCD-93E2-E3B085C9AB24}">
-                <p16:designElem xmlns:p16="http://schemas.microsoft.com/office/powerpoint/2015/main" val="1"/>
-              </p:ext>
-            </p:extLst>
-          </p:nvPr>
-        </p:nvSpPr>
-        <p:spPr>
-          <a:xfrm>
-            <a:off x="0" y="0"/>
-            <a:ext cx="4446529" cy="6858000"/>
-          </a:xfrm>
-          <a:custGeom>
-            <a:avLst/>
-            <a:gdLst>
-              <a:gd name="connsiteX0" fmla="*/ 0 w 4446529"/>
-              <a:gd name="connsiteY0" fmla="*/ 0 h 6858000"/>
-              <a:gd name="connsiteX1" fmla="*/ 3233551 w 4446529"/>
-              <a:gd name="connsiteY1" fmla="*/ 0 h 6858000"/>
-              <a:gd name="connsiteX2" fmla="*/ 3296534 w 4446529"/>
-              <a:gd name="connsiteY2" fmla="*/ 69271 h 6858000"/>
-              <a:gd name="connsiteX3" fmla="*/ 4446529 w 4446529"/>
-              <a:gd name="connsiteY3" fmla="*/ 3429000 h 6858000"/>
-              <a:gd name="connsiteX4" fmla="*/ 3296534 w 4446529"/>
-              <a:gd name="connsiteY4" fmla="*/ 6788730 h 6858000"/>
-              <a:gd name="connsiteX5" fmla="*/ 3233551 w 4446529"/>
-              <a:gd name="connsiteY5" fmla="*/ 6858000 h 6858000"/>
-              <a:gd name="connsiteX6" fmla="*/ 0 w 4446529"/>
-              <a:gd name="connsiteY6" fmla="*/ 6858000 h 6858000"/>
-            </a:gdLst>
-            <a:ahLst/>
-            <a:cxnLst>
-              <a:cxn ang="0">
-                <a:pos x="connsiteX0" y="connsiteY0"/>
-              </a:cxn>
-              <a:cxn ang="0">
-                <a:pos x="connsiteX1" y="connsiteY1"/>
-              </a:cxn>
-              <a:cxn ang="0">
-                <a:pos x="connsiteX2" y="connsiteY2"/>
-              </a:cxn>
-              <a:cxn ang="0">
-                <a:pos x="connsiteX3" y="connsiteY3"/>
-              </a:cxn>
-              <a:cxn ang="0">
-                <a:pos x="connsiteX4" y="connsiteY4"/>
-              </a:cxn>
-              <a:cxn ang="0">
-                <a:pos x="connsiteX5" y="connsiteY5"/>
-              </a:cxn>
-              <a:cxn ang="0">
-                <a:pos x="connsiteX6" y="connsiteY6"/>
-              </a:cxn>
-            </a:cxnLst>
-            <a:rect l="l" t="t" r="r" b="b"/>
-            <a:pathLst>
-              <a:path w="4446529" h="6858000">
-                <a:moveTo>
-                  <a:pt x="0" y="0"/>
-                </a:moveTo>
-                <a:lnTo>
-                  <a:pt x="3233551" y="0"/>
-                </a:lnTo>
-                <a:lnTo>
-                  <a:pt x="3296534" y="69271"/>
-                </a:lnTo>
-                <a:cubicBezTo>
-                  <a:pt x="4007060" y="929100"/>
-                  <a:pt x="4446529" y="2116944"/>
-                  <a:pt x="4446529" y="3429000"/>
-                </a:cubicBezTo>
-                <a:cubicBezTo>
-                  <a:pt x="4446529" y="4741056"/>
-                  <a:pt x="4007060" y="5928900"/>
-                  <a:pt x="3296534" y="6788730"/>
-                </a:cubicBezTo>
-                <a:lnTo>
-                  <a:pt x="3233551" y="6858000"/>
-                </a:lnTo>
-                <a:lnTo>
-                  <a:pt x="0" y="6858000"/>
-                </a:lnTo>
-                <a:close/>
-              </a:path>
-            </a:pathLst>
-          </a:custGeom>
-          <a:ln w="9525">
-            <a:noFill/>
-          </a:ln>
-          <a:effectLst/>
-        </p:spPr>
-        <p:style>
-          <a:lnRef idx="2">
-            <a:schemeClr val="accent1">
-              <a:shade val="50000"/>
-            </a:schemeClr>
-          </a:lnRef>
-          <a:fillRef idx="1">
-            <a:schemeClr val="accent1"/>
-          </a:fillRef>
-          <a:effectRef idx="0">
-            <a:schemeClr val="accent1"/>
-          </a:effectRef>
-          <a:fontRef idx="minor">
-            <a:schemeClr val="lt1"/>
-          </a:fontRef>
-        </p:style>
-        <p:txBody>
-          <a:bodyPr wrap="square" rtlCol="0" anchor="ctr">
-            <a:noAutofit/>
-          </a:bodyPr>
-          <a:lstStyle/>
-          <a:p>
-            <a:pPr marL="0" marR="0" lvl="0" indent="0" algn="ctr" defTabSz="914400" rtl="0" eaLnBrk="1" fontAlgn="auto" latinLnBrk="0" hangingPunct="1">
-              <a:lnSpc>
-                <a:spcPct val="100000"/>
-              </a:lnSpc>
-              <a:spcBef>
-                <a:spcPts val="0"/>
-              </a:spcBef>
-              <a:spcAft>
-                <a:spcPts val="0"/>
-              </a:spcAft>
-              <a:buClrTx/>
-              <a:buSzTx/>
-              <a:buFontTx/>
-              <a:buNone/>
-              <a:tabLst/>
-              <a:defRPr/>
-            </a:pPr>
-            <a:endParaRPr kumimoji="0" lang="en-US" sz="1800" b="0" i="0" u="none" strike="noStrike" kern="1200" cap="none" spc="0" normalizeH="0" baseline="0" noProof="0">
-              <a:ln>
-                <a:noFill/>
-              </a:ln>
-              <a:solidFill>
-                <a:prstClr val="white"/>
-              </a:solidFill>
-              <a:effectLst/>
-              <a:uLnTx/>
-              <a:uFillTx/>
-              <a:latin typeface="Calibri" panose="020F0502020204030204"/>
-              <a:ea typeface="+mn-ea"/>
-              <a:cs typeface="+mn-cs"/>
-            </a:endParaRPr>
-          </a:p>
-        </p:txBody>
-      </p:sp>
       <p:sp>
         <p:nvSpPr>
           <p:cNvPr id="2" name="Title 1">
             <a:extLst>
               <a:ext uri="{FF2B5EF4-FFF2-40B4-BE49-F238E27FC236}">
-                <a16:creationId xmlns:a16="http://schemas.microsoft.com/office/drawing/2014/main" id="{8AB22019-2B64-98AD-CC98-CE3930FF4DDC}"/>
+                <a16:creationId xmlns:a16="http://schemas.microsoft.com/office/drawing/2014/main" id="{02B8FC03-9917-D8D6-531E-911D6A2B0AA9}"/>
               </a:ext>
             </a:extLst>
           </p:cNvPr>
@@ -11756,287 +11969,52 @@
             <p:ph type="title"/>
           </p:nvPr>
         </p:nvSpPr>
-        <p:spPr>
-          <a:xfrm>
-            <a:off x="371094" y="1161288"/>
-            <a:ext cx="3438144" cy="1239012"/>
-          </a:xfrm>
-        </p:spPr>
-        <p:txBody>
-          <a:bodyPr anchor="ctr">
-            <a:normAutofit/>
+        <p:spPr/>
+        <p:txBody>
+          <a:bodyPr>
+            <a:normAutofit fontScale="90000"/>
           </a:bodyPr>
           <a:lstStyle/>
           <a:p>
             <a:r>
-              <a:rPr lang="el-GR" sz="2800" dirty="0"/>
-              <a:t>Το πρόγραμμα</a:t>
+              <a:rPr lang="el-GR" dirty="0"/>
+              <a:t>Διάγραμμα </a:t>
             </a:r>
-            <a:endParaRPr lang="en-US" sz="2800" dirty="0"/>
-          </a:p>
-        </p:txBody>
-      </p:sp>
-      <p:sp>
-        <p:nvSpPr>
-          <p:cNvPr id="27" name="Rectangle 26">
-            <a:extLst>
-              <a:ext uri="{FF2B5EF4-FFF2-40B4-BE49-F238E27FC236}">
-                <a16:creationId xmlns:a16="http://schemas.microsoft.com/office/drawing/2014/main" id="{98E79BE4-34FE-485A-98A5-92CE8F7C4743}"/>
-              </a:ext>
-              <a:ext uri="{C183D7F6-B498-43B3-948B-1728B52AA6E4}">
-                <adec:decorative xmlns:adec="http://schemas.microsoft.com/office/drawing/2017/decorative" val="1"/>
-              </a:ext>
-            </a:extLst>
-          </p:cNvPr>
-          <p:cNvSpPr>
-            <a:spLocks noGrp="1" noRot="1" noChangeAspect="1" noMove="1" noResize="1" noEditPoints="1" noAdjustHandles="1" noChangeArrowheads="1" noChangeShapeType="1" noTextEdit="1"/>
-          </p:cNvSpPr>
-          <p:nvPr>
-            <p:extLst>
-              <p:ext uri="{386F3935-93C4-4BCD-93E2-E3B085C9AB24}">
-                <p16:designElem xmlns:p16="http://schemas.microsoft.com/office/powerpoint/2015/main" val="1"/>
-              </p:ext>
-            </p:extLst>
-          </p:nvPr>
-        </p:nvSpPr>
-        <p:spPr>
-          <a:xfrm>
-            <a:off x="0" y="1426546"/>
-            <a:ext cx="128016" cy="653903"/>
-          </a:xfrm>
-          <a:prstGeom prst="rect">
-            <a:avLst/>
-          </a:prstGeom>
-          <a:solidFill>
-            <a:schemeClr val="accent1"/>
-          </a:solidFill>
-          <a:ln>
-            <a:noFill/>
-          </a:ln>
-        </p:spPr>
-        <p:style>
-          <a:lnRef idx="2">
-            <a:schemeClr val="accent1">
-              <a:shade val="50000"/>
-            </a:schemeClr>
-          </a:lnRef>
-          <a:fillRef idx="1">
-            <a:schemeClr val="accent1"/>
-          </a:fillRef>
-          <a:effectRef idx="0">
-            <a:schemeClr val="accent1"/>
-          </a:effectRef>
-          <a:fontRef idx="minor">
-            <a:schemeClr val="lt1"/>
-          </a:fontRef>
-        </p:style>
-        <p:txBody>
-          <a:bodyPr rtlCol="0" anchor="ctr"/>
-          <a:lstStyle/>
-          <a:p>
-            <a:pPr marL="0" marR="0" lvl="0" indent="0" algn="ctr" defTabSz="914400" rtl="0" eaLnBrk="1" fontAlgn="auto" latinLnBrk="0" hangingPunct="1">
-              <a:lnSpc>
-                <a:spcPct val="100000"/>
-              </a:lnSpc>
-              <a:spcBef>
-                <a:spcPts val="0"/>
-              </a:spcBef>
-              <a:spcAft>
-                <a:spcPts val="0"/>
-              </a:spcAft>
-              <a:buClrTx/>
-              <a:buSzTx/>
-              <a:buFontTx/>
-              <a:buNone/>
-              <a:tabLst/>
-              <a:defRPr/>
-            </a:pPr>
-            <a:endParaRPr kumimoji="0" lang="en-US" sz="1800" b="0" i="0" u="none" strike="noStrike" kern="1200" cap="none" spc="0" normalizeH="0" baseline="0" noProof="0">
-              <a:ln>
-                <a:noFill/>
-              </a:ln>
-              <a:solidFill>
-                <a:prstClr val="white"/>
-              </a:solidFill>
-              <a:effectLst/>
-              <a:uLnTx/>
-              <a:uFillTx/>
-              <a:latin typeface="Calibri" panose="020F0502020204030204"/>
-              <a:ea typeface="+mn-ea"/>
-              <a:cs typeface="+mn-cs"/>
-            </a:endParaRPr>
-          </a:p>
-        </p:txBody>
-      </p:sp>
-      <p:sp>
-        <p:nvSpPr>
-          <p:cNvPr id="29" name="Rectangle 28">
-            <a:extLst>
-              <a:ext uri="{FF2B5EF4-FFF2-40B4-BE49-F238E27FC236}">
-                <a16:creationId xmlns:a16="http://schemas.microsoft.com/office/drawing/2014/main" id="{7A5F0580-5EE9-419F-96EE-B6529EF6E7D0}"/>
-              </a:ext>
-              <a:ext uri="{C183D7F6-B498-43B3-948B-1728B52AA6E4}">
-                <adec:decorative xmlns:adec="http://schemas.microsoft.com/office/drawing/2017/decorative" val="1"/>
-              </a:ext>
-            </a:extLst>
-          </p:cNvPr>
-          <p:cNvSpPr>
-            <a:spLocks noGrp="1" noRot="1" noChangeAspect="1" noMove="1" noResize="1" noEditPoints="1" noAdjustHandles="1" noChangeArrowheads="1" noChangeShapeType="1" noTextEdit="1"/>
-          </p:cNvSpPr>
-          <p:nvPr>
-            <p:extLst>
-              <p:ext uri="{386F3935-93C4-4BCD-93E2-E3B085C9AB24}">
-                <p16:designElem xmlns:p16="http://schemas.microsoft.com/office/powerpoint/2015/main" val="1"/>
-              </p:ext>
-            </p:extLst>
-          </p:nvPr>
-        </p:nvSpPr>
-        <p:spPr>
-          <a:xfrm>
-            <a:off x="395893" y="2443480"/>
-            <a:ext cx="3383280" cy="18288"/>
-          </a:xfrm>
-          <a:prstGeom prst="rect">
-            <a:avLst/>
-          </a:prstGeom>
-          <a:solidFill>
-            <a:schemeClr val="tx2">
-              <a:lumMod val="25000"/>
-              <a:lumOff val="75000"/>
-            </a:schemeClr>
-          </a:solidFill>
-          <a:ln w="3175">
-            <a:noFill/>
-          </a:ln>
-          <a:effectLst/>
-        </p:spPr>
-        <p:style>
-          <a:lnRef idx="2">
-            <a:schemeClr val="accent1">
-              <a:shade val="50000"/>
-            </a:schemeClr>
-          </a:lnRef>
-          <a:fillRef idx="1">
-            <a:schemeClr val="accent1"/>
-          </a:fillRef>
-          <a:effectRef idx="0">
-            <a:schemeClr val="accent1"/>
-          </a:effectRef>
-          <a:fontRef idx="minor">
-            <a:schemeClr val="lt1"/>
-          </a:fontRef>
-        </p:style>
-        <p:txBody>
-          <a:bodyPr rtlCol="0" anchor="ctr"/>
-          <a:lstStyle/>
-          <a:p>
-            <a:pPr marL="0" marR="0" lvl="0" indent="0" algn="ctr" defTabSz="914400" rtl="0" eaLnBrk="1" fontAlgn="auto" latinLnBrk="0" hangingPunct="1">
-              <a:lnSpc>
-                <a:spcPct val="100000"/>
-              </a:lnSpc>
-              <a:spcBef>
-                <a:spcPts val="0"/>
-              </a:spcBef>
-              <a:spcAft>
-                <a:spcPts val="0"/>
-              </a:spcAft>
-              <a:buClrTx/>
-              <a:buSzTx/>
-              <a:buFontTx/>
-              <a:buNone/>
-              <a:tabLst/>
-              <a:defRPr/>
-            </a:pPr>
-            <a:endParaRPr kumimoji="0" lang="en-US" sz="1800" b="0" i="0" u="none" strike="noStrike" kern="1200" cap="none" spc="0" normalizeH="0" baseline="0" noProof="0">
-              <a:ln>
-                <a:noFill/>
-              </a:ln>
-              <a:solidFill>
-                <a:prstClr val="white"/>
-              </a:solidFill>
-              <a:effectLst/>
-              <a:uLnTx/>
-              <a:uFillTx/>
-              <a:latin typeface="Calibri" panose="020F0502020204030204"/>
-              <a:ea typeface="+mn-ea"/>
-              <a:cs typeface="+mn-cs"/>
-            </a:endParaRPr>
-          </a:p>
-        </p:txBody>
-      </p:sp>
-      <p:sp>
-        <p:nvSpPr>
-          <p:cNvPr id="9" name="Content Placeholder 8">
-            <a:extLst>
-              <a:ext uri="{FF2B5EF4-FFF2-40B4-BE49-F238E27FC236}">
-                <a16:creationId xmlns:a16="http://schemas.microsoft.com/office/drawing/2014/main" id="{3B422464-083B-A227-805F-D8B220C020B4}"/>
-              </a:ext>
-            </a:extLst>
-          </p:cNvPr>
-          <p:cNvSpPr>
-            <a:spLocks noGrp="1"/>
-          </p:cNvSpPr>
-          <p:nvPr>
-            <p:ph idx="1"/>
-          </p:nvPr>
-        </p:nvSpPr>
-        <p:spPr>
-          <a:xfrm>
-            <a:off x="371094" y="2718054"/>
-            <a:ext cx="3438906" cy="3207258"/>
-          </a:xfrm>
-        </p:spPr>
-        <p:txBody>
-          <a:bodyPr anchor="t">
-            <a:normAutofit/>
-          </a:bodyPr>
-          <a:lstStyle/>
-          <a:p>
             <a:r>
-              <a:rPr lang="el-GR" sz="1700" dirty="0"/>
-              <a:t>Δυνατότητα φόρτωσης διάφορων αρχείων </a:t>
+              <a:rPr lang="en-US" dirty="0"/>
+              <a:t>Voronoi </a:t>
             </a:r>
-          </a:p>
-          <a:p>
             <a:r>
-              <a:rPr lang="el-GR" sz="1700" dirty="0"/>
-              <a:t>Δυνατότητα εναλλαγής της γλώσσας μεταξύ Αγγλικών-Ελληνικών</a:t>
+              <a:rPr lang="el-GR" dirty="0"/>
+              <a:t>του πιο Απομακρυσμένου Γείτονα (ή </a:t>
             </a:r>
-          </a:p>
-          <a:p>
             <a:r>
-              <a:rPr lang="el-GR" sz="1700" dirty="0"/>
-              <a:t>Δυνατότητα αλληλεπίδρασης με τα γραφήματα</a:t>
+              <a:rPr lang="en-US" dirty="0"/>
+              <a:t>n-1 </a:t>
             </a:r>
-          </a:p>
-          <a:p>
             <a:r>
-              <a:rPr lang="el-GR" sz="1700" dirty="0"/>
-              <a:t>Περιέχει οδηγίες χρήσης</a:t>
+              <a:rPr lang="el-GR" dirty="0"/>
+              <a:t>τάξης)</a:t>
             </a:r>
-          </a:p>
-          <a:p>
-            <a:r>
-              <a:rPr lang="el-GR" sz="1700" dirty="0"/>
-              <a:t>Ανακατεύθυνση στο διαδίκτυο</a:t>
-            </a:r>
-            <a:endParaRPr lang="en-US" sz="1700" dirty="0"/>
+            <a:endParaRPr lang="en-US" dirty="0"/>
           </a:p>
         </p:txBody>
       </p:sp>
       <p:pic>
         <p:nvPicPr>
-          <p:cNvPr id="5" name="Content Placeholder 4" descr="Diagram&#10;&#10;Description automatically generated with medium confidence">
-            <a:extLst>
-              <a:ext uri="{FF2B5EF4-FFF2-40B4-BE49-F238E27FC236}">
-                <a16:creationId xmlns:a16="http://schemas.microsoft.com/office/drawing/2014/main" id="{A918DF4E-3522-6256-E4D6-77F940D95702}"/>
+          <p:cNvPr id="5" name="Content Placeholder 4" descr="Chart, line chart&#10;&#10;Description automatically generated">
+            <a:extLst>
+              <a:ext uri="{FF2B5EF4-FFF2-40B4-BE49-F238E27FC236}">
+                <a16:creationId xmlns:a16="http://schemas.microsoft.com/office/drawing/2014/main" id="{62A719E4-4A99-3D0B-0BEA-D57A4FF29A82}"/>
               </a:ext>
             </a:extLst>
           </p:cNvPr>
           <p:cNvPicPr>
-            <a:picLocks noChangeAspect="1"/>
+            <a:picLocks noGrp="1" noChangeAspect="1"/>
           </p:cNvPicPr>
-          <p:nvPr/>
+          <p:nvPr>
+            <p:ph idx="1"/>
+          </p:nvPr>
         </p:nvPicPr>
         <p:blipFill>
           <a:blip r:embed="rId2">
@@ -12052,18 +12030,15 @@
         </p:blipFill>
         <p:spPr>
           <a:xfrm>
-            <a:off x="6119851" y="841248"/>
-            <a:ext cx="4484674" cy="5276088"/>
+            <a:off x="4656716" y="2939063"/>
+            <a:ext cx="3086531" cy="2772162"/>
           </a:xfrm>
-          <a:prstGeom prst="rect">
-            <a:avLst/>
-          </a:prstGeom>
         </p:spPr>
       </p:pic>
     </p:spTree>
     <p:extLst>
       <p:ext uri="{BB962C8B-B14F-4D97-AF65-F5344CB8AC3E}">
-        <p14:creationId xmlns:p14="http://schemas.microsoft.com/office/powerpoint/2010/main" val="3336701281"/>
+        <p14:creationId xmlns:p14="http://schemas.microsoft.com/office/powerpoint/2010/main" val="2967851837"/>
       </p:ext>
     </p:extLst>
   </p:cSld>
@@ -12103,7 +12078,7 @@
           <p:cNvPr id="12" name="Rectangle 11">
             <a:extLst>
               <a:ext uri="{FF2B5EF4-FFF2-40B4-BE49-F238E27FC236}">
-                <a16:creationId xmlns:a16="http://schemas.microsoft.com/office/drawing/2014/main" id="{0288C6B4-AFC3-407F-A595-EFFD38D4CCAF}"/>
+                <a16:creationId xmlns:a16="http://schemas.microsoft.com/office/drawing/2014/main" id="{0B9EE3F3-89B7-43C3-8651-C4C96830993D}"/>
               </a:ext>
               <a:ext uri="{C183D7F6-B498-43B3-948B-1728B52AA6E4}">
                 <adec:decorative xmlns:adec="http://schemas.microsoft.com/office/drawing/2017/decorative" val="1"/>
@@ -12158,12 +12133,51 @@
           </a:p>
         </p:txBody>
       </p:sp>
-      <p:sp useBgFill="1">
-        <p:nvSpPr>
-          <p:cNvPr id="14" name="Freeform: Shape 13">
-            <a:extLst>
-              <a:ext uri="{FF2B5EF4-FFF2-40B4-BE49-F238E27FC236}">
-                <a16:creationId xmlns:a16="http://schemas.microsoft.com/office/drawing/2014/main" id="{CF236821-17FE-429B-8D2C-08E13A64EA40}"/>
+      <p:sp>
+        <p:nvSpPr>
+          <p:cNvPr id="2" name="Title 1">
+            <a:extLst>
+              <a:ext uri="{FF2B5EF4-FFF2-40B4-BE49-F238E27FC236}">
+                <a16:creationId xmlns:a16="http://schemas.microsoft.com/office/drawing/2014/main" id="{99076FAB-26A5-08D8-991E-228A68216C27}"/>
+              </a:ext>
+            </a:extLst>
+          </p:cNvPr>
+          <p:cNvSpPr>
+            <a:spLocks noGrp="1"/>
+          </p:cNvSpPr>
+          <p:nvPr>
+            <p:ph type="title"/>
+          </p:nvPr>
+        </p:nvSpPr>
+        <p:spPr>
+          <a:xfrm>
+            <a:off x="411480" y="991443"/>
+            <a:ext cx="4443154" cy="1087819"/>
+          </a:xfrm>
+        </p:spPr>
+        <p:txBody>
+          <a:bodyPr anchor="b">
+            <a:normAutofit/>
+          </a:bodyPr>
+          <a:lstStyle/>
+          <a:p>
+            <a:r>
+              <a:rPr lang="el-GR" sz="3400" dirty="0"/>
+              <a:t>Το πρόγραμμα</a:t>
+            </a:r>
+            <a:r>
+              <a:rPr lang="en-US" sz="3400" dirty="0"/>
+              <a:t> (EN)</a:t>
+            </a:r>
+          </a:p>
+        </p:txBody>
+      </p:sp>
+      <p:sp>
+        <p:nvSpPr>
+          <p:cNvPr id="14" name="Rectangle 13">
+            <a:extLst>
+              <a:ext uri="{FF2B5EF4-FFF2-40B4-BE49-F238E27FC236}">
+                <a16:creationId xmlns:a16="http://schemas.microsoft.com/office/drawing/2014/main" id="{33AE4636-AEEC-45D6-84D4-7AC2DA48ECF8}"/>
               </a:ext>
               <a:ext uri="{C183D7F6-B498-43B3-948B-1728B52AA6E4}">
                 <adec:decorative xmlns:adec="http://schemas.microsoft.com/office/drawing/2017/decorative" val="1"/>
@@ -12182,100 +12196,19 @@
           </p:nvPr>
         </p:nvSpPr>
         <p:spPr>
-          <a:xfrm>
-            <a:off x="-1" y="0"/>
-            <a:ext cx="4455673" cy="6858000"/>
+          <a:xfrm rot="5400000">
+            <a:off x="649223" y="387939"/>
+            <a:ext cx="73152" cy="548640"/>
           </a:xfrm>
-          <a:custGeom>
+          <a:prstGeom prst="rect">
             <a:avLst/>
-            <a:gdLst>
-              <a:gd name="connsiteX0" fmla="*/ 0 w 4455673"/>
-              <a:gd name="connsiteY0" fmla="*/ 0 h 6858000"/>
-              <a:gd name="connsiteX1" fmla="*/ 3242695 w 4455673"/>
-              <a:gd name="connsiteY1" fmla="*/ 0 h 6858000"/>
-              <a:gd name="connsiteX2" fmla="*/ 3305678 w 4455673"/>
-              <a:gd name="connsiteY2" fmla="*/ 69271 h 6858000"/>
-              <a:gd name="connsiteX3" fmla="*/ 4455673 w 4455673"/>
-              <a:gd name="connsiteY3" fmla="*/ 3429000 h 6858000"/>
-              <a:gd name="connsiteX4" fmla="*/ 3305678 w 4455673"/>
-              <a:gd name="connsiteY4" fmla="*/ 6788730 h 6858000"/>
-              <a:gd name="connsiteX5" fmla="*/ 3242695 w 4455673"/>
-              <a:gd name="connsiteY5" fmla="*/ 6858000 h 6858000"/>
-              <a:gd name="connsiteX6" fmla="*/ 0 w 4455673"/>
-              <a:gd name="connsiteY6" fmla="*/ 6858000 h 6858000"/>
-            </a:gdLst>
-            <a:ahLst/>
-            <a:cxnLst>
-              <a:cxn ang="0">
-                <a:pos x="connsiteX0" y="connsiteY0"/>
-              </a:cxn>
-              <a:cxn ang="0">
-                <a:pos x="connsiteX1" y="connsiteY1"/>
-              </a:cxn>
-              <a:cxn ang="0">
-                <a:pos x="connsiteX2" y="connsiteY2"/>
-              </a:cxn>
-              <a:cxn ang="0">
-                <a:pos x="connsiteX3" y="connsiteY3"/>
-              </a:cxn>
-              <a:cxn ang="0">
-                <a:pos x="connsiteX4" y="connsiteY4"/>
-              </a:cxn>
-              <a:cxn ang="0">
-                <a:pos x="connsiteX5" y="connsiteY5"/>
-              </a:cxn>
-              <a:cxn ang="0">
-                <a:pos x="connsiteX6" y="connsiteY6"/>
-              </a:cxn>
-            </a:cxnLst>
-            <a:rect l="l" t="t" r="r" b="b"/>
-            <a:pathLst>
-              <a:path w="4455673" h="6858000">
-                <a:moveTo>
-                  <a:pt x="0" y="0"/>
-                </a:moveTo>
-                <a:lnTo>
-                  <a:pt x="3242695" y="0"/>
-                </a:lnTo>
-                <a:lnTo>
-                  <a:pt x="3305678" y="69271"/>
-                </a:lnTo>
-                <a:cubicBezTo>
-                  <a:pt x="4016204" y="929100"/>
-                  <a:pt x="4455673" y="2116944"/>
-                  <a:pt x="4455673" y="3429000"/>
-                </a:cubicBezTo>
-                <a:cubicBezTo>
-                  <a:pt x="4455673" y="4741056"/>
-                  <a:pt x="4016204" y="5928900"/>
-                  <a:pt x="3305678" y="6788730"/>
-                </a:cubicBezTo>
-                <a:lnTo>
-                  <a:pt x="3242695" y="6858000"/>
-                </a:lnTo>
-                <a:lnTo>
-                  <a:pt x="0" y="6858000"/>
-                </a:lnTo>
-                <a:close/>
-              </a:path>
-            </a:pathLst>
-          </a:custGeom>
-          <a:ln w="9525">
-            <a:solidFill>
-              <a:schemeClr val="tx2">
-                <a:lumMod val="10000"/>
-                <a:lumOff val="90000"/>
-              </a:schemeClr>
-            </a:solidFill>
+          </a:prstGeom>
+          <a:solidFill>
+            <a:schemeClr val="accent1"/>
+          </a:solidFill>
+          <a:ln>
+            <a:noFill/>
           </a:ln>
-          <a:effectLst>
-            <a:outerShdw blurRad="50800" dist="38100" algn="l" rotWithShape="0">
-              <a:schemeClr val="bg1">
-                <a:lumMod val="85000"/>
-                <a:alpha val="30000"/>
-              </a:schemeClr>
-            </a:outerShdw>
-          </a:effectLst>
         </p:spPr>
         <p:style>
           <a:lnRef idx="2">
@@ -12294,9 +12227,7 @@
           </a:fontRef>
         </p:style>
         <p:txBody>
-          <a:bodyPr wrap="square" rtlCol="0" anchor="ctr">
-            <a:noAutofit/>
-          </a:bodyPr>
+          <a:bodyPr rtlCol="0" anchor="ctr"/>
           <a:lstStyle/>
           <a:p>
             <a:pPr marL="0" marR="0" lvl="0" indent="0" algn="ctr" defTabSz="914400" rtl="0" eaLnBrk="1" fontAlgn="auto" latinLnBrk="0" hangingPunct="1">
@@ -12333,12 +12264,12 @@
           </a:p>
         </p:txBody>
       </p:sp>
-      <p:sp useBgFill="1">
-        <p:nvSpPr>
-          <p:cNvPr id="16" name="Freeform: Shape 15">
-            <a:extLst>
-              <a:ext uri="{FF2B5EF4-FFF2-40B4-BE49-F238E27FC236}">
-                <a16:creationId xmlns:a16="http://schemas.microsoft.com/office/drawing/2014/main" id="{C0BDBCD2-E081-43AB-9119-C55465E59757}"/>
+      <p:sp>
+        <p:nvSpPr>
+          <p:cNvPr id="16" name="Rectangle 15">
+            <a:extLst>
+              <a:ext uri="{FF2B5EF4-FFF2-40B4-BE49-F238E27FC236}">
+                <a16:creationId xmlns:a16="http://schemas.microsoft.com/office/drawing/2014/main" id="{8D9CE0F4-2EB2-4F1F-8AAC-DB3571D9FE10}"/>
               </a:ext>
               <a:ext uri="{C183D7F6-B498-43B3-948B-1728B52AA6E4}">
                 <adec:decorative xmlns:adec="http://schemas.microsoft.com/office/drawing/2017/decorative" val="1"/>
@@ -12358,84 +12289,19 @@
         </p:nvSpPr>
         <p:spPr>
           <a:xfrm>
-            <a:off x="0" y="0"/>
-            <a:ext cx="4446529" cy="6858000"/>
+            <a:off x="411480" y="2285541"/>
+            <a:ext cx="4389120" cy="18288"/>
           </a:xfrm>
-          <a:custGeom>
+          <a:prstGeom prst="rect">
             <a:avLst/>
-            <a:gdLst>
-              <a:gd name="connsiteX0" fmla="*/ 0 w 4446529"/>
-              <a:gd name="connsiteY0" fmla="*/ 0 h 6858000"/>
-              <a:gd name="connsiteX1" fmla="*/ 3233551 w 4446529"/>
-              <a:gd name="connsiteY1" fmla="*/ 0 h 6858000"/>
-              <a:gd name="connsiteX2" fmla="*/ 3296534 w 4446529"/>
-              <a:gd name="connsiteY2" fmla="*/ 69271 h 6858000"/>
-              <a:gd name="connsiteX3" fmla="*/ 4446529 w 4446529"/>
-              <a:gd name="connsiteY3" fmla="*/ 3429000 h 6858000"/>
-              <a:gd name="connsiteX4" fmla="*/ 3296534 w 4446529"/>
-              <a:gd name="connsiteY4" fmla="*/ 6788730 h 6858000"/>
-              <a:gd name="connsiteX5" fmla="*/ 3233551 w 4446529"/>
-              <a:gd name="connsiteY5" fmla="*/ 6858000 h 6858000"/>
-              <a:gd name="connsiteX6" fmla="*/ 0 w 4446529"/>
-              <a:gd name="connsiteY6" fmla="*/ 6858000 h 6858000"/>
-            </a:gdLst>
-            <a:ahLst/>
-            <a:cxnLst>
-              <a:cxn ang="0">
-                <a:pos x="connsiteX0" y="connsiteY0"/>
-              </a:cxn>
-              <a:cxn ang="0">
-                <a:pos x="connsiteX1" y="connsiteY1"/>
-              </a:cxn>
-              <a:cxn ang="0">
-                <a:pos x="connsiteX2" y="connsiteY2"/>
-              </a:cxn>
-              <a:cxn ang="0">
-                <a:pos x="connsiteX3" y="connsiteY3"/>
-              </a:cxn>
-              <a:cxn ang="0">
-                <a:pos x="connsiteX4" y="connsiteY4"/>
-              </a:cxn>
-              <a:cxn ang="0">
-                <a:pos x="connsiteX5" y="connsiteY5"/>
-              </a:cxn>
-              <a:cxn ang="0">
-                <a:pos x="connsiteX6" y="connsiteY6"/>
-              </a:cxn>
-            </a:cxnLst>
-            <a:rect l="l" t="t" r="r" b="b"/>
-            <a:pathLst>
-              <a:path w="4446529" h="6858000">
-                <a:moveTo>
-                  <a:pt x="0" y="0"/>
-                </a:moveTo>
-                <a:lnTo>
-                  <a:pt x="3233551" y="0"/>
-                </a:lnTo>
-                <a:lnTo>
-                  <a:pt x="3296534" y="69271"/>
-                </a:lnTo>
-                <a:cubicBezTo>
-                  <a:pt x="4007060" y="929100"/>
-                  <a:pt x="4446529" y="2116944"/>
-                  <a:pt x="4446529" y="3429000"/>
-                </a:cubicBezTo>
-                <a:cubicBezTo>
-                  <a:pt x="4446529" y="4741056"/>
-                  <a:pt x="4007060" y="5928900"/>
-                  <a:pt x="3296534" y="6788730"/>
-                </a:cubicBezTo>
-                <a:lnTo>
-                  <a:pt x="3233551" y="6858000"/>
-                </a:lnTo>
-                <a:lnTo>
-                  <a:pt x="0" y="6858000"/>
-                </a:lnTo>
-                <a:close/>
-              </a:path>
-            </a:pathLst>
-          </a:custGeom>
-          <a:ln w="9525">
+          </a:prstGeom>
+          <a:solidFill>
+            <a:schemeClr val="tx2">
+              <a:lumMod val="25000"/>
+              <a:lumOff val="75000"/>
+            </a:schemeClr>
+          </a:solidFill>
+          <a:ln w="3175">
             <a:noFill/>
           </a:ln>
           <a:effectLst/>
@@ -12457,9 +12323,7 @@
           </a:fontRef>
         </p:style>
         <p:txBody>
-          <a:bodyPr wrap="square" rtlCol="0" anchor="ctr">
-            <a:noAutofit/>
-          </a:bodyPr>
+          <a:bodyPr rtlCol="0" anchor="ctr"/>
           <a:lstStyle/>
           <a:p>
             <a:pPr marL="0" marR="0" lvl="0" indent="0" algn="ctr" defTabSz="914400" rtl="0" eaLnBrk="1" fontAlgn="auto" latinLnBrk="0" hangingPunct="1">
@@ -12498,10 +12362,10 @@
       </p:sp>
       <p:sp>
         <p:nvSpPr>
-          <p:cNvPr id="2" name="Title 1">
-            <a:extLst>
-              <a:ext uri="{FF2B5EF4-FFF2-40B4-BE49-F238E27FC236}">
-                <a16:creationId xmlns:a16="http://schemas.microsoft.com/office/drawing/2014/main" id="{341338A3-B432-38F6-AAB4-B53980905739}"/>
+          <p:cNvPr id="9" name="Content Placeholder 8">
+            <a:extLst>
+              <a:ext uri="{FF2B5EF4-FFF2-40B4-BE49-F238E27FC236}">
+                <a16:creationId xmlns:a16="http://schemas.microsoft.com/office/drawing/2014/main" id="{AE64DD4B-EED3-3768-A607-7CA2F7AF4AF8}"/>
               </a:ext>
             </a:extLst>
           </p:cNvPr>
@@ -12509,242 +12373,18 @@
             <a:spLocks noGrp="1"/>
           </p:cNvSpPr>
           <p:nvPr>
-            <p:ph type="title"/>
+            <p:ph idx="1"/>
           </p:nvPr>
         </p:nvSpPr>
         <p:spPr>
           <a:xfrm>
-            <a:off x="371094" y="1161288"/>
-            <a:ext cx="3438144" cy="1239012"/>
+            <a:off x="411480" y="2684095"/>
+            <a:ext cx="4443154" cy="3492868"/>
           </a:xfrm>
         </p:spPr>
         <p:txBody>
-          <a:bodyPr anchor="ctr">
-            <a:normAutofit/>
-          </a:bodyPr>
-          <a:lstStyle/>
-          <a:p>
-            <a:r>
-              <a:rPr lang="el-GR" sz="2800" dirty="0"/>
-              <a:t>Το πρόγραμμα</a:t>
-            </a:r>
-            <a:endParaRPr lang="en-US" sz="2800" dirty="0"/>
-          </a:p>
-        </p:txBody>
-      </p:sp>
-      <p:sp>
-        <p:nvSpPr>
-          <p:cNvPr id="18" name="Rectangle 17">
-            <a:extLst>
-              <a:ext uri="{FF2B5EF4-FFF2-40B4-BE49-F238E27FC236}">
-                <a16:creationId xmlns:a16="http://schemas.microsoft.com/office/drawing/2014/main" id="{98E79BE4-34FE-485A-98A5-92CE8F7C4743}"/>
-              </a:ext>
-              <a:ext uri="{C183D7F6-B498-43B3-948B-1728B52AA6E4}">
-                <adec:decorative xmlns:adec="http://schemas.microsoft.com/office/drawing/2017/decorative" val="1"/>
-              </a:ext>
-            </a:extLst>
-          </p:cNvPr>
-          <p:cNvSpPr>
-            <a:spLocks noGrp="1" noRot="1" noChangeAspect="1" noMove="1" noResize="1" noEditPoints="1" noAdjustHandles="1" noChangeArrowheads="1" noChangeShapeType="1" noTextEdit="1"/>
-          </p:cNvSpPr>
-          <p:nvPr>
-            <p:extLst>
-              <p:ext uri="{386F3935-93C4-4BCD-93E2-E3B085C9AB24}">
-                <p16:designElem xmlns:p16="http://schemas.microsoft.com/office/powerpoint/2015/main" val="1"/>
-              </p:ext>
-            </p:extLst>
-          </p:nvPr>
-        </p:nvSpPr>
-        <p:spPr>
-          <a:xfrm>
-            <a:off x="0" y="1426546"/>
-            <a:ext cx="128016" cy="653903"/>
-          </a:xfrm>
-          <a:prstGeom prst="rect">
-            <a:avLst/>
-          </a:prstGeom>
-          <a:solidFill>
-            <a:schemeClr val="accent1"/>
-          </a:solidFill>
-          <a:ln>
-            <a:noFill/>
-          </a:ln>
-        </p:spPr>
-        <p:style>
-          <a:lnRef idx="2">
-            <a:schemeClr val="accent1">
-              <a:shade val="50000"/>
-            </a:schemeClr>
-          </a:lnRef>
-          <a:fillRef idx="1">
-            <a:schemeClr val="accent1"/>
-          </a:fillRef>
-          <a:effectRef idx="0">
-            <a:schemeClr val="accent1"/>
-          </a:effectRef>
-          <a:fontRef idx="minor">
-            <a:schemeClr val="lt1"/>
-          </a:fontRef>
-        </p:style>
-        <p:txBody>
-          <a:bodyPr rtlCol="0" anchor="ctr"/>
-          <a:lstStyle/>
-          <a:p>
-            <a:pPr marL="0" marR="0" lvl="0" indent="0" algn="ctr" defTabSz="914400" rtl="0" eaLnBrk="1" fontAlgn="auto" latinLnBrk="0" hangingPunct="1">
-              <a:lnSpc>
-                <a:spcPct val="100000"/>
-              </a:lnSpc>
-              <a:spcBef>
-                <a:spcPts val="0"/>
-              </a:spcBef>
-              <a:spcAft>
-                <a:spcPts val="0"/>
-              </a:spcAft>
-              <a:buClrTx/>
-              <a:buSzTx/>
-              <a:buFontTx/>
-              <a:buNone/>
-              <a:tabLst/>
-              <a:defRPr/>
-            </a:pPr>
-            <a:endParaRPr kumimoji="0" lang="en-US" sz="1800" b="0" i="0" u="none" strike="noStrike" kern="1200" cap="none" spc="0" normalizeH="0" baseline="0" noProof="0">
-              <a:ln>
-                <a:noFill/>
-              </a:ln>
-              <a:solidFill>
-                <a:prstClr val="white"/>
-              </a:solidFill>
-              <a:effectLst/>
-              <a:uLnTx/>
-              <a:uFillTx/>
-              <a:latin typeface="Calibri" panose="020F0502020204030204"/>
-              <a:ea typeface="+mn-ea"/>
-              <a:cs typeface="+mn-cs"/>
-            </a:endParaRPr>
-          </a:p>
-        </p:txBody>
-      </p:sp>
-      <p:sp>
-        <p:nvSpPr>
-          <p:cNvPr id="20" name="Rectangle 19">
-            <a:extLst>
-              <a:ext uri="{FF2B5EF4-FFF2-40B4-BE49-F238E27FC236}">
-                <a16:creationId xmlns:a16="http://schemas.microsoft.com/office/drawing/2014/main" id="{7A5F0580-5EE9-419F-96EE-B6529EF6E7D0}"/>
-              </a:ext>
-              <a:ext uri="{C183D7F6-B498-43B3-948B-1728B52AA6E4}">
-                <adec:decorative xmlns:adec="http://schemas.microsoft.com/office/drawing/2017/decorative" val="1"/>
-              </a:ext>
-            </a:extLst>
-          </p:cNvPr>
-          <p:cNvSpPr>
-            <a:spLocks noGrp="1" noRot="1" noChangeAspect="1" noMove="1" noResize="1" noEditPoints="1" noAdjustHandles="1" noChangeArrowheads="1" noChangeShapeType="1" noTextEdit="1"/>
-          </p:cNvSpPr>
-          <p:nvPr>
-            <p:extLst>
-              <p:ext uri="{386F3935-93C4-4BCD-93E2-E3B085C9AB24}">
-                <p16:designElem xmlns:p16="http://schemas.microsoft.com/office/powerpoint/2015/main" val="1"/>
-              </p:ext>
-            </p:extLst>
-          </p:nvPr>
-        </p:nvSpPr>
-        <p:spPr>
-          <a:xfrm>
-            <a:off x="395893" y="2443480"/>
-            <a:ext cx="3383280" cy="18288"/>
-          </a:xfrm>
-          <a:prstGeom prst="rect">
-            <a:avLst/>
-          </a:prstGeom>
-          <a:solidFill>
-            <a:schemeClr val="tx2">
-              <a:lumMod val="25000"/>
-              <a:lumOff val="75000"/>
-            </a:schemeClr>
-          </a:solidFill>
-          <a:ln w="3175">
-            <a:noFill/>
-          </a:ln>
-          <a:effectLst/>
-        </p:spPr>
-        <p:style>
-          <a:lnRef idx="2">
-            <a:schemeClr val="accent1">
-              <a:shade val="50000"/>
-            </a:schemeClr>
-          </a:lnRef>
-          <a:fillRef idx="1">
-            <a:schemeClr val="accent1"/>
-          </a:fillRef>
-          <a:effectRef idx="0">
-            <a:schemeClr val="accent1"/>
-          </a:effectRef>
-          <a:fontRef idx="minor">
-            <a:schemeClr val="lt1"/>
-          </a:fontRef>
-        </p:style>
-        <p:txBody>
-          <a:bodyPr rtlCol="0" anchor="ctr"/>
-          <a:lstStyle/>
-          <a:p>
-            <a:pPr marL="0" marR="0" lvl="0" indent="0" algn="ctr" defTabSz="914400" rtl="0" eaLnBrk="1" fontAlgn="auto" latinLnBrk="0" hangingPunct="1">
-              <a:lnSpc>
-                <a:spcPct val="100000"/>
-              </a:lnSpc>
-              <a:spcBef>
-                <a:spcPts val="0"/>
-              </a:spcBef>
-              <a:spcAft>
-                <a:spcPts val="0"/>
-              </a:spcAft>
-              <a:buClrTx/>
-              <a:buSzTx/>
-              <a:buFontTx/>
-              <a:buNone/>
-              <a:tabLst/>
-              <a:defRPr/>
-            </a:pPr>
-            <a:endParaRPr kumimoji="0" lang="en-US" sz="1800" b="0" i="0" u="none" strike="noStrike" kern="1200" cap="none" spc="0" normalizeH="0" baseline="0" noProof="0">
-              <a:ln>
-                <a:noFill/>
-              </a:ln>
-              <a:solidFill>
-                <a:prstClr val="white"/>
-              </a:solidFill>
-              <a:effectLst/>
-              <a:uLnTx/>
-              <a:uFillTx/>
-              <a:latin typeface="Calibri" panose="020F0502020204030204"/>
-              <a:ea typeface="+mn-ea"/>
-              <a:cs typeface="+mn-cs"/>
-            </a:endParaRPr>
-          </a:p>
-        </p:txBody>
-      </p:sp>
-      <p:sp>
-        <p:nvSpPr>
-          <p:cNvPr id="9" name="Content Placeholder 8">
-            <a:extLst>
-              <a:ext uri="{FF2B5EF4-FFF2-40B4-BE49-F238E27FC236}">
-                <a16:creationId xmlns:a16="http://schemas.microsoft.com/office/drawing/2014/main" id="{9B6BFFE4-3181-5E90-FBB7-9894786B4A52}"/>
-              </a:ext>
-            </a:extLst>
-          </p:cNvPr>
-          <p:cNvSpPr>
-            <a:spLocks noGrp="1"/>
-          </p:cNvSpPr>
-          <p:nvPr>
-            <p:ph idx="1"/>
-          </p:nvPr>
-        </p:nvSpPr>
-        <p:spPr>
-          <a:xfrm>
-            <a:off x="371094" y="2718054"/>
-            <a:ext cx="3438906" cy="3207258"/>
-          </a:xfrm>
-        </p:spPr>
-        <p:txBody>
-          <a:bodyPr anchor="t">
-            <a:normAutofit/>
+          <a:bodyPr>
+            <a:normAutofit lnSpcReduction="10000"/>
           </a:bodyPr>
           <a:lstStyle/>
           <a:p>
@@ -12752,6 +12392,53 @@
               <a:rPr lang="el-GR" sz="1700" dirty="0"/>
               <a:t>Δυνατότητα φόρτωσης διάφορων αρχείων </a:t>
             </a:r>
+            <a:endParaRPr lang="en-US" sz="1700" dirty="0"/>
+          </a:p>
+          <a:p>
+            <a:pPr marL="800100" lvl="1" indent="-342900">
+              <a:buFont typeface="+mj-lt"/>
+              <a:buAutoNum type="arabicPeriod"/>
+            </a:pPr>
+            <a:r>
+              <a:rPr lang="en-US" sz="1300" dirty="0"/>
+              <a:t>.txt</a:t>
+            </a:r>
+          </a:p>
+          <a:p>
+            <a:pPr marL="800100" lvl="1" indent="-342900">
+              <a:buFont typeface="+mj-lt"/>
+              <a:buAutoNum type="arabicPeriod"/>
+            </a:pPr>
+            <a:r>
+              <a:rPr lang="en-US" sz="1300" dirty="0"/>
+              <a:t>.csv</a:t>
+            </a:r>
+          </a:p>
+          <a:p>
+            <a:pPr marL="800100" lvl="1" indent="-342900">
+              <a:buFont typeface="+mj-lt"/>
+              <a:buAutoNum type="arabicPeriod"/>
+            </a:pPr>
+            <a:r>
+              <a:rPr lang="en-US" sz="1300" dirty="0"/>
+              <a:t>.</a:t>
+            </a:r>
+            <a:r>
+              <a:rPr lang="en-US" sz="1300" dirty="0" err="1"/>
+              <a:t>xls</a:t>
+            </a:r>
+            <a:endParaRPr lang="en-US" sz="1300" dirty="0"/>
+          </a:p>
+          <a:p>
+            <a:pPr marL="800100" lvl="1" indent="-342900">
+              <a:buFont typeface="+mj-lt"/>
+              <a:buAutoNum type="arabicPeriod"/>
+            </a:pPr>
+            <a:r>
+              <a:rPr lang="en-US" sz="1300" dirty="0"/>
+              <a:t>.xlsx	</a:t>
+            </a:r>
+            <a:endParaRPr lang="el-GR" sz="1300" dirty="0"/>
           </a:p>
           <a:p>
             <a:r>
@@ -12785,7 +12472,7 @@
           <p:cNvPr id="5" name="Content Placeholder 4" descr="Diagram&#10;&#10;Description automatically generated with medium confidence">
             <a:extLst>
               <a:ext uri="{FF2B5EF4-FFF2-40B4-BE49-F238E27FC236}">
-                <a16:creationId xmlns:a16="http://schemas.microsoft.com/office/drawing/2014/main" id="{0115AB81-5933-0E56-221C-03A29BE6787B}"/>
+                <a16:creationId xmlns:a16="http://schemas.microsoft.com/office/drawing/2014/main" id="{546BDC52-5953-BA1A-FCA7-A82BBF321F7F}"/>
               </a:ext>
             </a:extLst>
           </p:cNvPr>
@@ -12808,8 +12495,8 @@
         </p:blipFill>
         <p:spPr>
           <a:xfrm>
-            <a:off x="6166016" y="841248"/>
-            <a:ext cx="4392343" cy="5276088"/>
+            <a:off x="6260613" y="625683"/>
+            <a:ext cx="4690830" cy="5551280"/>
           </a:xfrm>
           <a:prstGeom prst="rect">
             <a:avLst/>
@@ -12819,7 +12506,7 @@
     </p:spTree>
     <p:extLst>
       <p:ext uri="{BB962C8B-B14F-4D97-AF65-F5344CB8AC3E}">
-        <p14:creationId xmlns:p14="http://schemas.microsoft.com/office/powerpoint/2010/main" val="2054791364"/>
+        <p14:creationId xmlns:p14="http://schemas.microsoft.com/office/powerpoint/2010/main" val="1980815216"/>
       </p:ext>
     </p:extLst>
   </p:cSld>
@@ -12859,7 +12546,7 @@
           <p:cNvPr id="12" name="Rectangle 11">
             <a:extLst>
               <a:ext uri="{FF2B5EF4-FFF2-40B4-BE49-F238E27FC236}">
-                <a16:creationId xmlns:a16="http://schemas.microsoft.com/office/drawing/2014/main" id="{0288C6B4-AFC3-407F-A595-EFFD38D4CCAF}"/>
+                <a16:creationId xmlns:a16="http://schemas.microsoft.com/office/drawing/2014/main" id="{0B9EE3F3-89B7-43C3-8651-C4C96830993D}"/>
               </a:ext>
               <a:ext uri="{C183D7F6-B498-43B3-948B-1728B52AA6E4}">
                 <adec:decorative xmlns:adec="http://schemas.microsoft.com/office/drawing/2017/decorative" val="1"/>
@@ -12914,12 +12601,51 @@
           </a:p>
         </p:txBody>
       </p:sp>
-      <p:sp useBgFill="1">
-        <p:nvSpPr>
-          <p:cNvPr id="14" name="Freeform: Shape 13">
-            <a:extLst>
-              <a:ext uri="{FF2B5EF4-FFF2-40B4-BE49-F238E27FC236}">
-                <a16:creationId xmlns:a16="http://schemas.microsoft.com/office/drawing/2014/main" id="{CF236821-17FE-429B-8D2C-08E13A64EA40}"/>
+      <p:sp>
+        <p:nvSpPr>
+          <p:cNvPr id="2" name="Title 1">
+            <a:extLst>
+              <a:ext uri="{FF2B5EF4-FFF2-40B4-BE49-F238E27FC236}">
+                <a16:creationId xmlns:a16="http://schemas.microsoft.com/office/drawing/2014/main" id="{C7593A15-5C54-254A-675B-44CDB0F59685}"/>
+              </a:ext>
+            </a:extLst>
+          </p:cNvPr>
+          <p:cNvSpPr>
+            <a:spLocks noGrp="1"/>
+          </p:cNvSpPr>
+          <p:nvPr>
+            <p:ph type="title"/>
+          </p:nvPr>
+        </p:nvSpPr>
+        <p:spPr>
+          <a:xfrm>
+            <a:off x="411480" y="991443"/>
+            <a:ext cx="4443154" cy="1087819"/>
+          </a:xfrm>
+        </p:spPr>
+        <p:txBody>
+          <a:bodyPr anchor="b">
+            <a:normAutofit/>
+          </a:bodyPr>
+          <a:lstStyle/>
+          <a:p>
+            <a:r>
+              <a:rPr lang="el-GR" sz="3400" dirty="0"/>
+              <a:t>Το πρόγραμμα</a:t>
+            </a:r>
+            <a:r>
+              <a:rPr lang="en-US" sz="3400" dirty="0"/>
+              <a:t> (GR)</a:t>
+            </a:r>
+          </a:p>
+        </p:txBody>
+      </p:sp>
+      <p:sp>
+        <p:nvSpPr>
+          <p:cNvPr id="14" name="Rectangle 13">
+            <a:extLst>
+              <a:ext uri="{FF2B5EF4-FFF2-40B4-BE49-F238E27FC236}">
+                <a16:creationId xmlns:a16="http://schemas.microsoft.com/office/drawing/2014/main" id="{33AE4636-AEEC-45D6-84D4-7AC2DA48ECF8}"/>
               </a:ext>
               <a:ext uri="{C183D7F6-B498-43B3-948B-1728B52AA6E4}">
                 <adec:decorative xmlns:adec="http://schemas.microsoft.com/office/drawing/2017/decorative" val="1"/>
@@ -12938,100 +12664,19 @@
           </p:nvPr>
         </p:nvSpPr>
         <p:spPr>
-          <a:xfrm>
-            <a:off x="-1" y="0"/>
-            <a:ext cx="4455673" cy="6858000"/>
+          <a:xfrm rot="5400000">
+            <a:off x="649223" y="387939"/>
+            <a:ext cx="73152" cy="548640"/>
           </a:xfrm>
-          <a:custGeom>
+          <a:prstGeom prst="rect">
             <a:avLst/>
-            <a:gdLst>
-              <a:gd name="connsiteX0" fmla="*/ 0 w 4455673"/>
-              <a:gd name="connsiteY0" fmla="*/ 0 h 6858000"/>
-              <a:gd name="connsiteX1" fmla="*/ 3242695 w 4455673"/>
-              <a:gd name="connsiteY1" fmla="*/ 0 h 6858000"/>
-              <a:gd name="connsiteX2" fmla="*/ 3305678 w 4455673"/>
-              <a:gd name="connsiteY2" fmla="*/ 69271 h 6858000"/>
-              <a:gd name="connsiteX3" fmla="*/ 4455673 w 4455673"/>
-              <a:gd name="connsiteY3" fmla="*/ 3429000 h 6858000"/>
-              <a:gd name="connsiteX4" fmla="*/ 3305678 w 4455673"/>
-              <a:gd name="connsiteY4" fmla="*/ 6788730 h 6858000"/>
-              <a:gd name="connsiteX5" fmla="*/ 3242695 w 4455673"/>
-              <a:gd name="connsiteY5" fmla="*/ 6858000 h 6858000"/>
-              <a:gd name="connsiteX6" fmla="*/ 0 w 4455673"/>
-              <a:gd name="connsiteY6" fmla="*/ 6858000 h 6858000"/>
-            </a:gdLst>
-            <a:ahLst/>
-            <a:cxnLst>
-              <a:cxn ang="0">
-                <a:pos x="connsiteX0" y="connsiteY0"/>
-              </a:cxn>
-              <a:cxn ang="0">
-                <a:pos x="connsiteX1" y="connsiteY1"/>
-              </a:cxn>
-              <a:cxn ang="0">
-                <a:pos x="connsiteX2" y="connsiteY2"/>
-              </a:cxn>
-              <a:cxn ang="0">
-                <a:pos x="connsiteX3" y="connsiteY3"/>
-              </a:cxn>
-              <a:cxn ang="0">
-                <a:pos x="connsiteX4" y="connsiteY4"/>
-              </a:cxn>
-              <a:cxn ang="0">
-                <a:pos x="connsiteX5" y="connsiteY5"/>
-              </a:cxn>
-              <a:cxn ang="0">
-                <a:pos x="connsiteX6" y="connsiteY6"/>
-              </a:cxn>
-            </a:cxnLst>
-            <a:rect l="l" t="t" r="r" b="b"/>
-            <a:pathLst>
-              <a:path w="4455673" h="6858000">
-                <a:moveTo>
-                  <a:pt x="0" y="0"/>
-                </a:moveTo>
-                <a:lnTo>
-                  <a:pt x="3242695" y="0"/>
-                </a:lnTo>
-                <a:lnTo>
-                  <a:pt x="3305678" y="69271"/>
-                </a:lnTo>
-                <a:cubicBezTo>
-                  <a:pt x="4016204" y="929100"/>
-                  <a:pt x="4455673" y="2116944"/>
-                  <a:pt x="4455673" y="3429000"/>
-                </a:cubicBezTo>
-                <a:cubicBezTo>
-                  <a:pt x="4455673" y="4741056"/>
-                  <a:pt x="4016204" y="5928900"/>
-                  <a:pt x="3305678" y="6788730"/>
-                </a:cubicBezTo>
-                <a:lnTo>
-                  <a:pt x="3242695" y="6858000"/>
-                </a:lnTo>
-                <a:lnTo>
-                  <a:pt x="0" y="6858000"/>
-                </a:lnTo>
-                <a:close/>
-              </a:path>
-            </a:pathLst>
-          </a:custGeom>
-          <a:ln w="9525">
-            <a:solidFill>
-              <a:schemeClr val="tx2">
-                <a:lumMod val="10000"/>
-                <a:lumOff val="90000"/>
-              </a:schemeClr>
-            </a:solidFill>
+          </a:prstGeom>
+          <a:solidFill>
+            <a:schemeClr val="accent1"/>
+          </a:solidFill>
+          <a:ln>
+            <a:noFill/>
           </a:ln>
-          <a:effectLst>
-            <a:outerShdw blurRad="50800" dist="38100" algn="l" rotWithShape="0">
-              <a:schemeClr val="bg1">
-                <a:lumMod val="85000"/>
-                <a:alpha val="30000"/>
-              </a:schemeClr>
-            </a:outerShdw>
-          </a:effectLst>
         </p:spPr>
         <p:style>
           <a:lnRef idx="2">
@@ -13050,9 +12695,7 @@
           </a:fontRef>
         </p:style>
         <p:txBody>
-          <a:bodyPr wrap="square" rtlCol="0" anchor="ctr">
-            <a:noAutofit/>
-          </a:bodyPr>
+          <a:bodyPr rtlCol="0" anchor="ctr"/>
           <a:lstStyle/>
           <a:p>
             <a:pPr marL="0" marR="0" lvl="0" indent="0" algn="ctr" defTabSz="914400" rtl="0" eaLnBrk="1" fontAlgn="auto" latinLnBrk="0" hangingPunct="1">
@@ -13089,12 +12732,12 @@
           </a:p>
         </p:txBody>
       </p:sp>
-      <p:sp useBgFill="1">
-        <p:nvSpPr>
-          <p:cNvPr id="16" name="Freeform: Shape 15">
-            <a:extLst>
-              <a:ext uri="{FF2B5EF4-FFF2-40B4-BE49-F238E27FC236}">
-                <a16:creationId xmlns:a16="http://schemas.microsoft.com/office/drawing/2014/main" id="{C0BDBCD2-E081-43AB-9119-C55465E59757}"/>
+      <p:sp>
+        <p:nvSpPr>
+          <p:cNvPr id="16" name="Rectangle 15">
+            <a:extLst>
+              <a:ext uri="{FF2B5EF4-FFF2-40B4-BE49-F238E27FC236}">
+                <a16:creationId xmlns:a16="http://schemas.microsoft.com/office/drawing/2014/main" id="{8D9CE0F4-2EB2-4F1F-8AAC-DB3571D9FE10}"/>
               </a:ext>
               <a:ext uri="{C183D7F6-B498-43B3-948B-1728B52AA6E4}">
                 <adec:decorative xmlns:adec="http://schemas.microsoft.com/office/drawing/2017/decorative" val="1"/>
@@ -13114,84 +12757,19 @@
         </p:nvSpPr>
         <p:spPr>
           <a:xfrm>
-            <a:off x="0" y="0"/>
-            <a:ext cx="4446529" cy="6858000"/>
+            <a:off x="411480" y="2285541"/>
+            <a:ext cx="4389120" cy="18288"/>
           </a:xfrm>
-          <a:custGeom>
+          <a:prstGeom prst="rect">
             <a:avLst/>
-            <a:gdLst>
-              <a:gd name="connsiteX0" fmla="*/ 0 w 4446529"/>
-              <a:gd name="connsiteY0" fmla="*/ 0 h 6858000"/>
-              <a:gd name="connsiteX1" fmla="*/ 3233551 w 4446529"/>
-              <a:gd name="connsiteY1" fmla="*/ 0 h 6858000"/>
-              <a:gd name="connsiteX2" fmla="*/ 3296534 w 4446529"/>
-              <a:gd name="connsiteY2" fmla="*/ 69271 h 6858000"/>
-              <a:gd name="connsiteX3" fmla="*/ 4446529 w 4446529"/>
-              <a:gd name="connsiteY3" fmla="*/ 3429000 h 6858000"/>
-              <a:gd name="connsiteX4" fmla="*/ 3296534 w 4446529"/>
-              <a:gd name="connsiteY4" fmla="*/ 6788730 h 6858000"/>
-              <a:gd name="connsiteX5" fmla="*/ 3233551 w 4446529"/>
-              <a:gd name="connsiteY5" fmla="*/ 6858000 h 6858000"/>
-              <a:gd name="connsiteX6" fmla="*/ 0 w 4446529"/>
-              <a:gd name="connsiteY6" fmla="*/ 6858000 h 6858000"/>
-            </a:gdLst>
-            <a:ahLst/>
-            <a:cxnLst>
-              <a:cxn ang="0">
-                <a:pos x="connsiteX0" y="connsiteY0"/>
-              </a:cxn>
-              <a:cxn ang="0">
-                <a:pos x="connsiteX1" y="connsiteY1"/>
-              </a:cxn>
-              <a:cxn ang="0">
-                <a:pos x="connsiteX2" y="connsiteY2"/>
-              </a:cxn>
-              <a:cxn ang="0">
-                <a:pos x="connsiteX3" y="connsiteY3"/>
-              </a:cxn>
-              <a:cxn ang="0">
-                <a:pos x="connsiteX4" y="connsiteY4"/>
-              </a:cxn>
-              <a:cxn ang="0">
-                <a:pos x="connsiteX5" y="connsiteY5"/>
-              </a:cxn>
-              <a:cxn ang="0">
-                <a:pos x="connsiteX6" y="connsiteY6"/>
-              </a:cxn>
-            </a:cxnLst>
-            <a:rect l="l" t="t" r="r" b="b"/>
-            <a:pathLst>
-              <a:path w="4446529" h="6858000">
-                <a:moveTo>
-                  <a:pt x="0" y="0"/>
-                </a:moveTo>
-                <a:lnTo>
-                  <a:pt x="3233551" y="0"/>
-                </a:lnTo>
-                <a:lnTo>
-                  <a:pt x="3296534" y="69271"/>
-                </a:lnTo>
-                <a:cubicBezTo>
-                  <a:pt x="4007060" y="929100"/>
-                  <a:pt x="4446529" y="2116944"/>
-                  <a:pt x="4446529" y="3429000"/>
-                </a:cubicBezTo>
-                <a:cubicBezTo>
-                  <a:pt x="4446529" y="4741056"/>
-                  <a:pt x="4007060" y="5928900"/>
-                  <a:pt x="3296534" y="6788730"/>
-                </a:cubicBezTo>
-                <a:lnTo>
-                  <a:pt x="3233551" y="6858000"/>
-                </a:lnTo>
-                <a:lnTo>
-                  <a:pt x="0" y="6858000"/>
-                </a:lnTo>
-                <a:close/>
-              </a:path>
-            </a:pathLst>
-          </a:custGeom>
-          <a:ln w="9525">
+          </a:prstGeom>
+          <a:solidFill>
+            <a:schemeClr val="tx2">
+              <a:lumMod val="25000"/>
+              <a:lumOff val="75000"/>
+            </a:schemeClr>
+          </a:solidFill>
+          <a:ln w="3175">
             <a:noFill/>
           </a:ln>
           <a:effectLst/>
@@ -13213,9 +12791,7 @@
           </a:fontRef>
         </p:style>
         <p:txBody>
-          <a:bodyPr wrap="square" rtlCol="0" anchor="ctr">
-            <a:noAutofit/>
-          </a:bodyPr>
+          <a:bodyPr rtlCol="0" anchor="ctr"/>
           <a:lstStyle/>
           <a:p>
             <a:pPr marL="0" marR="0" lvl="0" indent="0" algn="ctr" defTabSz="914400" rtl="0" eaLnBrk="1" fontAlgn="auto" latinLnBrk="0" hangingPunct="1">
@@ -13254,10 +12830,10 @@
       </p:sp>
       <p:sp>
         <p:nvSpPr>
-          <p:cNvPr id="2" name="Title 1">
-            <a:extLst>
-              <a:ext uri="{FF2B5EF4-FFF2-40B4-BE49-F238E27FC236}">
-                <a16:creationId xmlns:a16="http://schemas.microsoft.com/office/drawing/2014/main" id="{9F035437-9C29-C271-FBB1-5F84166E5DCE}"/>
+          <p:cNvPr id="9" name="Content Placeholder 8">
+            <a:extLst>
+              <a:ext uri="{FF2B5EF4-FFF2-40B4-BE49-F238E27FC236}">
+                <a16:creationId xmlns:a16="http://schemas.microsoft.com/office/drawing/2014/main" id="{BA01C36B-C0A8-A0BB-B347-30434663C893}"/>
               </a:ext>
             </a:extLst>
           </p:cNvPr>
@@ -13265,254 +12841,95 @@
             <a:spLocks noGrp="1"/>
           </p:cNvSpPr>
           <p:nvPr>
-            <p:ph type="title"/>
+            <p:ph idx="1"/>
           </p:nvPr>
         </p:nvSpPr>
         <p:spPr>
           <a:xfrm>
-            <a:off x="371094" y="1161288"/>
-            <a:ext cx="3438144" cy="1239012"/>
+            <a:off x="411480" y="2684095"/>
+            <a:ext cx="4443154" cy="3492868"/>
           </a:xfrm>
         </p:spPr>
         <p:txBody>
-          <a:bodyPr anchor="ctr">
-            <a:normAutofit/>
+          <a:bodyPr>
+            <a:normAutofit lnSpcReduction="10000"/>
           </a:bodyPr>
           <a:lstStyle/>
           <a:p>
             <a:r>
-              <a:rPr lang="el-GR" sz="2800"/>
-              <a:t>Το πρόγραμμα</a:t>
+              <a:rPr lang="el-GR" sz="1700" dirty="0"/>
+              <a:t>Δυνατότητα φόρτωσης διάφορων αρχείων </a:t>
             </a:r>
-            <a:endParaRPr lang="en-US" sz="2800"/>
-          </a:p>
-        </p:txBody>
-      </p:sp>
-      <p:sp>
-        <p:nvSpPr>
-          <p:cNvPr id="18" name="Rectangle 17">
-            <a:extLst>
-              <a:ext uri="{FF2B5EF4-FFF2-40B4-BE49-F238E27FC236}">
-                <a16:creationId xmlns:a16="http://schemas.microsoft.com/office/drawing/2014/main" id="{98E79BE4-34FE-485A-98A5-92CE8F7C4743}"/>
-              </a:ext>
-              <a:ext uri="{C183D7F6-B498-43B3-948B-1728B52AA6E4}">
-                <adec:decorative xmlns:adec="http://schemas.microsoft.com/office/drawing/2017/decorative" val="1"/>
-              </a:ext>
-            </a:extLst>
-          </p:cNvPr>
-          <p:cNvSpPr>
-            <a:spLocks noGrp="1" noRot="1" noChangeAspect="1" noMove="1" noResize="1" noEditPoints="1" noAdjustHandles="1" noChangeArrowheads="1" noChangeShapeType="1" noTextEdit="1"/>
-          </p:cNvSpPr>
-          <p:nvPr>
-            <p:extLst>
-              <p:ext uri="{386F3935-93C4-4BCD-93E2-E3B085C9AB24}">
-                <p16:designElem xmlns:p16="http://schemas.microsoft.com/office/powerpoint/2015/main" val="1"/>
-              </p:ext>
-            </p:extLst>
-          </p:nvPr>
-        </p:nvSpPr>
-        <p:spPr>
-          <a:xfrm>
-            <a:off x="0" y="1426546"/>
-            <a:ext cx="128016" cy="653903"/>
-          </a:xfrm>
-          <a:prstGeom prst="rect">
-            <a:avLst/>
-          </a:prstGeom>
-          <a:solidFill>
-            <a:schemeClr val="accent1"/>
-          </a:solidFill>
-          <a:ln>
-            <a:noFill/>
-          </a:ln>
-        </p:spPr>
-        <p:style>
-          <a:lnRef idx="2">
-            <a:schemeClr val="accent1">
-              <a:shade val="50000"/>
-            </a:schemeClr>
-          </a:lnRef>
-          <a:fillRef idx="1">
-            <a:schemeClr val="accent1"/>
-          </a:fillRef>
-          <a:effectRef idx="0">
-            <a:schemeClr val="accent1"/>
-          </a:effectRef>
-          <a:fontRef idx="minor">
-            <a:schemeClr val="lt1"/>
-          </a:fontRef>
-        </p:style>
-        <p:txBody>
-          <a:bodyPr rtlCol="0" anchor="ctr"/>
-          <a:lstStyle/>
-          <a:p>
-            <a:pPr marL="0" marR="0" lvl="0" indent="0" algn="ctr" defTabSz="914400" rtl="0" eaLnBrk="1" fontAlgn="auto" latinLnBrk="0" hangingPunct="1">
-              <a:lnSpc>
-                <a:spcPct val="100000"/>
-              </a:lnSpc>
-              <a:spcBef>
-                <a:spcPts val="0"/>
-              </a:spcBef>
-              <a:spcAft>
-                <a:spcPts val="0"/>
-              </a:spcAft>
-              <a:buClrTx/>
-              <a:buSzTx/>
-              <a:buFontTx/>
-              <a:buNone/>
-              <a:tabLst/>
-              <a:defRPr/>
+            <a:endParaRPr lang="en-US" sz="1700" dirty="0"/>
+          </a:p>
+          <a:p>
+            <a:pPr marL="800100" lvl="1" indent="-342900">
+              <a:buFont typeface="+mj-lt"/>
+              <a:buAutoNum type="arabicPeriod"/>
             </a:pPr>
-            <a:endParaRPr kumimoji="0" lang="en-US" sz="1800" b="0" i="0" u="none" strike="noStrike" kern="1200" cap="none" spc="0" normalizeH="0" baseline="0" noProof="0">
-              <a:ln>
-                <a:noFill/>
-              </a:ln>
-              <a:solidFill>
-                <a:prstClr val="white"/>
-              </a:solidFill>
-              <a:effectLst/>
-              <a:uLnTx/>
-              <a:uFillTx/>
-              <a:latin typeface="Calibri" panose="020F0502020204030204"/>
-              <a:ea typeface="+mn-ea"/>
-              <a:cs typeface="+mn-cs"/>
-            </a:endParaRPr>
-          </a:p>
-        </p:txBody>
-      </p:sp>
-      <p:sp>
-        <p:nvSpPr>
-          <p:cNvPr id="20" name="Rectangle 19">
-            <a:extLst>
-              <a:ext uri="{FF2B5EF4-FFF2-40B4-BE49-F238E27FC236}">
-                <a16:creationId xmlns:a16="http://schemas.microsoft.com/office/drawing/2014/main" id="{7A5F0580-5EE9-419F-96EE-B6529EF6E7D0}"/>
-              </a:ext>
-              <a:ext uri="{C183D7F6-B498-43B3-948B-1728B52AA6E4}">
-                <adec:decorative xmlns:adec="http://schemas.microsoft.com/office/drawing/2017/decorative" val="1"/>
-              </a:ext>
-            </a:extLst>
-          </p:cNvPr>
-          <p:cNvSpPr>
-            <a:spLocks noGrp="1" noRot="1" noChangeAspect="1" noMove="1" noResize="1" noEditPoints="1" noAdjustHandles="1" noChangeArrowheads="1" noChangeShapeType="1" noTextEdit="1"/>
-          </p:cNvSpPr>
-          <p:nvPr>
-            <p:extLst>
-              <p:ext uri="{386F3935-93C4-4BCD-93E2-E3B085C9AB24}">
-                <p16:designElem xmlns:p16="http://schemas.microsoft.com/office/powerpoint/2015/main" val="1"/>
-              </p:ext>
-            </p:extLst>
-          </p:nvPr>
-        </p:nvSpPr>
-        <p:spPr>
-          <a:xfrm>
-            <a:off x="395893" y="2443480"/>
-            <a:ext cx="3383280" cy="18288"/>
-          </a:xfrm>
-          <a:prstGeom prst="rect">
-            <a:avLst/>
-          </a:prstGeom>
-          <a:solidFill>
-            <a:schemeClr val="tx2">
-              <a:lumMod val="25000"/>
-              <a:lumOff val="75000"/>
-            </a:schemeClr>
-          </a:solidFill>
-          <a:ln w="3175">
-            <a:noFill/>
-          </a:ln>
-          <a:effectLst/>
-        </p:spPr>
-        <p:style>
-          <a:lnRef idx="2">
-            <a:schemeClr val="accent1">
-              <a:shade val="50000"/>
-            </a:schemeClr>
-          </a:lnRef>
-          <a:fillRef idx="1">
-            <a:schemeClr val="accent1"/>
-          </a:fillRef>
-          <a:effectRef idx="0">
-            <a:schemeClr val="accent1"/>
-          </a:effectRef>
-          <a:fontRef idx="minor">
-            <a:schemeClr val="lt1"/>
-          </a:fontRef>
-        </p:style>
-        <p:txBody>
-          <a:bodyPr rtlCol="0" anchor="ctr"/>
-          <a:lstStyle/>
-          <a:p>
-            <a:pPr marL="0" marR="0" lvl="0" indent="0" algn="ctr" defTabSz="914400" rtl="0" eaLnBrk="1" fontAlgn="auto" latinLnBrk="0" hangingPunct="1">
-              <a:lnSpc>
-                <a:spcPct val="100000"/>
-              </a:lnSpc>
-              <a:spcBef>
-                <a:spcPts val="0"/>
-              </a:spcBef>
-              <a:spcAft>
-                <a:spcPts val="0"/>
-              </a:spcAft>
-              <a:buClrTx/>
-              <a:buSzTx/>
-              <a:buFontTx/>
-              <a:buNone/>
-              <a:tabLst/>
-              <a:defRPr/>
+            <a:r>
+              <a:rPr lang="en-US" sz="1300" dirty="0"/>
+              <a:t>.txt</a:t>
+            </a:r>
+          </a:p>
+          <a:p>
+            <a:pPr marL="800100" lvl="1" indent="-342900">
+              <a:buFont typeface="+mj-lt"/>
+              <a:buAutoNum type="arabicPeriod"/>
             </a:pPr>
-            <a:endParaRPr kumimoji="0" lang="en-US" sz="1800" b="0" i="0" u="none" strike="noStrike" kern="1200" cap="none" spc="0" normalizeH="0" baseline="0" noProof="0">
-              <a:ln>
-                <a:noFill/>
-              </a:ln>
-              <a:solidFill>
-                <a:prstClr val="white"/>
-              </a:solidFill>
-              <a:effectLst/>
-              <a:uLnTx/>
-              <a:uFillTx/>
-              <a:latin typeface="Calibri" panose="020F0502020204030204"/>
-              <a:ea typeface="+mn-ea"/>
-              <a:cs typeface="+mn-cs"/>
-            </a:endParaRPr>
-          </a:p>
-        </p:txBody>
-      </p:sp>
-      <p:sp>
-        <p:nvSpPr>
-          <p:cNvPr id="9" name="Content Placeholder 8">
-            <a:extLst>
-              <a:ext uri="{FF2B5EF4-FFF2-40B4-BE49-F238E27FC236}">
-                <a16:creationId xmlns:a16="http://schemas.microsoft.com/office/drawing/2014/main" id="{B9DEF5CE-915F-14E8-F4EE-02F434BA9A97}"/>
-              </a:ext>
-            </a:extLst>
-          </p:cNvPr>
-          <p:cNvSpPr>
-            <a:spLocks noGrp="1"/>
-          </p:cNvSpPr>
-          <p:nvPr>
-            <p:ph idx="1"/>
-          </p:nvPr>
-        </p:nvSpPr>
-        <p:spPr>
-          <a:xfrm>
-            <a:off x="371094" y="2718054"/>
-            <a:ext cx="3438906" cy="3207258"/>
-          </a:xfrm>
-        </p:spPr>
-        <p:txBody>
-          <a:bodyPr anchor="t">
-            <a:normAutofit/>
-          </a:bodyPr>
-          <a:lstStyle/>
+            <a:r>
+              <a:rPr lang="en-US" sz="1300" dirty="0"/>
+              <a:t>.csv</a:t>
+            </a:r>
+          </a:p>
+          <a:p>
+            <a:pPr marL="800100" lvl="1" indent="-342900">
+              <a:buFont typeface="+mj-lt"/>
+              <a:buAutoNum type="arabicPeriod"/>
+            </a:pPr>
+            <a:r>
+              <a:rPr lang="en-US" sz="1300" dirty="0"/>
+              <a:t>.</a:t>
+            </a:r>
+            <a:r>
+              <a:rPr lang="en-US" sz="1300" dirty="0" err="1"/>
+              <a:t>xls</a:t>
+            </a:r>
+            <a:endParaRPr lang="en-US" sz="1300" dirty="0"/>
+          </a:p>
+          <a:p>
+            <a:pPr marL="800100" lvl="1" indent="-342900">
+              <a:buFont typeface="+mj-lt"/>
+              <a:buAutoNum type="arabicPeriod"/>
+            </a:pPr>
+            <a:r>
+              <a:rPr lang="en-US" sz="1300" dirty="0"/>
+              <a:t>.xlsx	</a:t>
+            </a:r>
+            <a:endParaRPr lang="el-GR" sz="1300" dirty="0"/>
+          </a:p>
           <a:p>
             <a:r>
               <a:rPr lang="el-GR" sz="1700" dirty="0"/>
-              <a:t>Πληροφορίες στα Αγγλικά</a:t>
+              <a:t>Δυνατότητα εναλλαγής της γλώσσας μεταξύ Αγγλικών-Ελληνικών</a:t>
             </a:r>
           </a:p>
           <a:p>
             <a:r>
               <a:rPr lang="el-GR" sz="1700" dirty="0"/>
-              <a:t>Οδηγίες Χρήσης στα Αγγλικά</a:t>
+              <a:t>Δυνατότητα αλληλεπίδρασης με τα γραφήματα</a:t>
+            </a:r>
+          </a:p>
+          <a:p>
+            <a:r>
+              <a:rPr lang="el-GR" sz="1700" dirty="0"/>
+              <a:t>Περιέχει οδηγίες χρήσης</a:t>
+            </a:r>
+          </a:p>
+          <a:p>
+            <a:r>
+              <a:rPr lang="el-GR" sz="1700" dirty="0"/>
+              <a:t>Ανακατεύθυνση στο διαδίκτυο</a:t>
             </a:r>
             <a:endParaRPr lang="en-US" sz="1700" dirty="0"/>
           </a:p>
@@ -13520,10 +12937,10 @@
       </p:sp>
       <p:pic>
         <p:nvPicPr>
-          <p:cNvPr id="5" name="Content Placeholder 4" descr="Graphical user interface, application&#10;&#10;Description automatically generated">
-            <a:extLst>
-              <a:ext uri="{FF2B5EF4-FFF2-40B4-BE49-F238E27FC236}">
-                <a16:creationId xmlns:a16="http://schemas.microsoft.com/office/drawing/2014/main" id="{6B84977C-828C-F411-6F85-8E6BCAAE77E8}"/>
+          <p:cNvPr id="5" name="Content Placeholder 4" descr="Diagram&#10;&#10;Description automatically generated with medium confidence">
+            <a:extLst>
+              <a:ext uri="{FF2B5EF4-FFF2-40B4-BE49-F238E27FC236}">
+                <a16:creationId xmlns:a16="http://schemas.microsoft.com/office/drawing/2014/main" id="{300092A3-FAC2-D0B5-AA7F-EBD2901C29CF}"/>
               </a:ext>
             </a:extLst>
           </p:cNvPr>
@@ -13546,8 +12963,8 @@
         </p:blipFill>
         <p:spPr>
           <a:xfrm>
-            <a:off x="6060495" y="841248"/>
-            <a:ext cx="4603386" cy="5276088"/>
+            <a:off x="6260613" y="625683"/>
+            <a:ext cx="4690830" cy="5551280"/>
           </a:xfrm>
           <a:prstGeom prst="rect">
             <a:avLst/>
@@ -13557,7 +12974,7 @@
     </p:spTree>
     <p:extLst>
       <p:ext uri="{BB962C8B-B14F-4D97-AF65-F5344CB8AC3E}">
-        <p14:creationId xmlns:p14="http://schemas.microsoft.com/office/powerpoint/2010/main" val="3920058949"/>
+        <p14:creationId xmlns:p14="http://schemas.microsoft.com/office/powerpoint/2010/main" val="1686001431"/>
       </p:ext>
     </p:extLst>
   </p:cSld>
@@ -13597,7 +13014,7 @@
           <p:cNvPr id="12" name="Rectangle 11">
             <a:extLst>
               <a:ext uri="{FF2B5EF4-FFF2-40B4-BE49-F238E27FC236}">
-                <a16:creationId xmlns:a16="http://schemas.microsoft.com/office/drawing/2014/main" id="{0288C6B4-AFC3-407F-A595-EFFD38D4CCAF}"/>
+                <a16:creationId xmlns:a16="http://schemas.microsoft.com/office/drawing/2014/main" id="{0B9EE3F3-89B7-43C3-8651-C4C96830993D}"/>
               </a:ext>
               <a:ext uri="{C183D7F6-B498-43B3-948B-1728B52AA6E4}">
                 <adec:decorative xmlns:adec="http://schemas.microsoft.com/office/drawing/2017/decorative" val="1"/>
@@ -13652,12 +13069,51 @@
           </a:p>
         </p:txBody>
       </p:sp>
-      <p:sp useBgFill="1">
-        <p:nvSpPr>
-          <p:cNvPr id="14" name="Freeform: Shape 13">
-            <a:extLst>
-              <a:ext uri="{FF2B5EF4-FFF2-40B4-BE49-F238E27FC236}">
-                <a16:creationId xmlns:a16="http://schemas.microsoft.com/office/drawing/2014/main" id="{CF236821-17FE-429B-8D2C-08E13A64EA40}"/>
+      <p:sp>
+        <p:nvSpPr>
+          <p:cNvPr id="2" name="Title 1">
+            <a:extLst>
+              <a:ext uri="{FF2B5EF4-FFF2-40B4-BE49-F238E27FC236}">
+                <a16:creationId xmlns:a16="http://schemas.microsoft.com/office/drawing/2014/main" id="{DADA360B-D43F-62FB-B792-4F488B036E1A}"/>
+              </a:ext>
+            </a:extLst>
+          </p:cNvPr>
+          <p:cNvSpPr>
+            <a:spLocks noGrp="1"/>
+          </p:cNvSpPr>
+          <p:nvPr>
+            <p:ph type="title"/>
+          </p:nvPr>
+        </p:nvSpPr>
+        <p:spPr>
+          <a:xfrm>
+            <a:off x="411480" y="991443"/>
+            <a:ext cx="4443154" cy="1087819"/>
+          </a:xfrm>
+        </p:spPr>
+        <p:txBody>
+          <a:bodyPr anchor="b">
+            <a:normAutofit/>
+          </a:bodyPr>
+          <a:lstStyle/>
+          <a:p>
+            <a:r>
+              <a:rPr lang="el-GR" sz="3400" dirty="0"/>
+              <a:t>Το πρόγραμμα</a:t>
+            </a:r>
+            <a:r>
+              <a:rPr lang="en-US" sz="3400" dirty="0"/>
+              <a:t> (EN)</a:t>
+            </a:r>
+          </a:p>
+        </p:txBody>
+      </p:sp>
+      <p:sp>
+        <p:nvSpPr>
+          <p:cNvPr id="14" name="Rectangle 13">
+            <a:extLst>
+              <a:ext uri="{FF2B5EF4-FFF2-40B4-BE49-F238E27FC236}">
+                <a16:creationId xmlns:a16="http://schemas.microsoft.com/office/drawing/2014/main" id="{33AE4636-AEEC-45D6-84D4-7AC2DA48ECF8}"/>
               </a:ext>
               <a:ext uri="{C183D7F6-B498-43B3-948B-1728B52AA6E4}">
                 <adec:decorative xmlns:adec="http://schemas.microsoft.com/office/drawing/2017/decorative" val="1"/>
@@ -13676,100 +13132,19 @@
           </p:nvPr>
         </p:nvSpPr>
         <p:spPr>
-          <a:xfrm>
-            <a:off x="-1" y="0"/>
-            <a:ext cx="4455673" cy="6858000"/>
+          <a:xfrm rot="5400000">
+            <a:off x="649223" y="387939"/>
+            <a:ext cx="73152" cy="548640"/>
           </a:xfrm>
-          <a:custGeom>
+          <a:prstGeom prst="rect">
             <a:avLst/>
-            <a:gdLst>
-              <a:gd name="connsiteX0" fmla="*/ 0 w 4455673"/>
-              <a:gd name="connsiteY0" fmla="*/ 0 h 6858000"/>
-              <a:gd name="connsiteX1" fmla="*/ 3242695 w 4455673"/>
-              <a:gd name="connsiteY1" fmla="*/ 0 h 6858000"/>
-              <a:gd name="connsiteX2" fmla="*/ 3305678 w 4455673"/>
-              <a:gd name="connsiteY2" fmla="*/ 69271 h 6858000"/>
-              <a:gd name="connsiteX3" fmla="*/ 4455673 w 4455673"/>
-              <a:gd name="connsiteY3" fmla="*/ 3429000 h 6858000"/>
-              <a:gd name="connsiteX4" fmla="*/ 3305678 w 4455673"/>
-              <a:gd name="connsiteY4" fmla="*/ 6788730 h 6858000"/>
-              <a:gd name="connsiteX5" fmla="*/ 3242695 w 4455673"/>
-              <a:gd name="connsiteY5" fmla="*/ 6858000 h 6858000"/>
-              <a:gd name="connsiteX6" fmla="*/ 0 w 4455673"/>
-              <a:gd name="connsiteY6" fmla="*/ 6858000 h 6858000"/>
-            </a:gdLst>
-            <a:ahLst/>
-            <a:cxnLst>
-              <a:cxn ang="0">
-                <a:pos x="connsiteX0" y="connsiteY0"/>
-              </a:cxn>
-              <a:cxn ang="0">
-                <a:pos x="connsiteX1" y="connsiteY1"/>
-              </a:cxn>
-              <a:cxn ang="0">
-                <a:pos x="connsiteX2" y="connsiteY2"/>
-              </a:cxn>
-              <a:cxn ang="0">
-                <a:pos x="connsiteX3" y="connsiteY3"/>
-              </a:cxn>
-              <a:cxn ang="0">
-                <a:pos x="connsiteX4" y="connsiteY4"/>
-              </a:cxn>
-              <a:cxn ang="0">
-                <a:pos x="connsiteX5" y="connsiteY5"/>
-              </a:cxn>
-              <a:cxn ang="0">
-                <a:pos x="connsiteX6" y="connsiteY6"/>
-              </a:cxn>
-            </a:cxnLst>
-            <a:rect l="l" t="t" r="r" b="b"/>
-            <a:pathLst>
-              <a:path w="4455673" h="6858000">
-                <a:moveTo>
-                  <a:pt x="0" y="0"/>
-                </a:moveTo>
-                <a:lnTo>
-                  <a:pt x="3242695" y="0"/>
-                </a:lnTo>
-                <a:lnTo>
-                  <a:pt x="3305678" y="69271"/>
-                </a:lnTo>
-                <a:cubicBezTo>
-                  <a:pt x="4016204" y="929100"/>
-                  <a:pt x="4455673" y="2116944"/>
-                  <a:pt x="4455673" y="3429000"/>
-                </a:cubicBezTo>
-                <a:cubicBezTo>
-                  <a:pt x="4455673" y="4741056"/>
-                  <a:pt x="4016204" y="5928900"/>
-                  <a:pt x="3305678" y="6788730"/>
-                </a:cubicBezTo>
-                <a:lnTo>
-                  <a:pt x="3242695" y="6858000"/>
-                </a:lnTo>
-                <a:lnTo>
-                  <a:pt x="0" y="6858000"/>
-                </a:lnTo>
-                <a:close/>
-              </a:path>
-            </a:pathLst>
-          </a:custGeom>
-          <a:ln w="9525">
-            <a:solidFill>
-              <a:schemeClr val="tx2">
-                <a:lumMod val="10000"/>
-                <a:lumOff val="90000"/>
-              </a:schemeClr>
-            </a:solidFill>
+          </a:prstGeom>
+          <a:solidFill>
+            <a:schemeClr val="accent1"/>
+          </a:solidFill>
+          <a:ln>
+            <a:noFill/>
           </a:ln>
-          <a:effectLst>
-            <a:outerShdw blurRad="50800" dist="38100" algn="l" rotWithShape="0">
-              <a:schemeClr val="bg1">
-                <a:lumMod val="85000"/>
-                <a:alpha val="30000"/>
-              </a:schemeClr>
-            </a:outerShdw>
-          </a:effectLst>
         </p:spPr>
         <p:style>
           <a:lnRef idx="2">
@@ -13788,9 +13163,7 @@
           </a:fontRef>
         </p:style>
         <p:txBody>
-          <a:bodyPr wrap="square" rtlCol="0" anchor="ctr">
-            <a:noAutofit/>
-          </a:bodyPr>
+          <a:bodyPr rtlCol="0" anchor="ctr"/>
           <a:lstStyle/>
           <a:p>
             <a:pPr marL="0" marR="0" lvl="0" indent="0" algn="ctr" defTabSz="914400" rtl="0" eaLnBrk="1" fontAlgn="auto" latinLnBrk="0" hangingPunct="1">
@@ -13827,12 +13200,12 @@
           </a:p>
         </p:txBody>
       </p:sp>
-      <p:sp useBgFill="1">
-        <p:nvSpPr>
-          <p:cNvPr id="16" name="Freeform: Shape 15">
-            <a:extLst>
-              <a:ext uri="{FF2B5EF4-FFF2-40B4-BE49-F238E27FC236}">
-                <a16:creationId xmlns:a16="http://schemas.microsoft.com/office/drawing/2014/main" id="{C0BDBCD2-E081-43AB-9119-C55465E59757}"/>
+      <p:sp>
+        <p:nvSpPr>
+          <p:cNvPr id="16" name="Rectangle 15">
+            <a:extLst>
+              <a:ext uri="{FF2B5EF4-FFF2-40B4-BE49-F238E27FC236}">
+                <a16:creationId xmlns:a16="http://schemas.microsoft.com/office/drawing/2014/main" id="{8D9CE0F4-2EB2-4F1F-8AAC-DB3571D9FE10}"/>
               </a:ext>
               <a:ext uri="{C183D7F6-B498-43B3-948B-1728B52AA6E4}">
                 <adec:decorative xmlns:adec="http://schemas.microsoft.com/office/drawing/2017/decorative" val="1"/>
@@ -13852,84 +13225,19 @@
         </p:nvSpPr>
         <p:spPr>
           <a:xfrm>
-            <a:off x="0" y="0"/>
-            <a:ext cx="4446529" cy="6858000"/>
+            <a:off x="411480" y="2285541"/>
+            <a:ext cx="4389120" cy="18288"/>
           </a:xfrm>
-          <a:custGeom>
+          <a:prstGeom prst="rect">
             <a:avLst/>
-            <a:gdLst>
-              <a:gd name="connsiteX0" fmla="*/ 0 w 4446529"/>
-              <a:gd name="connsiteY0" fmla="*/ 0 h 6858000"/>
-              <a:gd name="connsiteX1" fmla="*/ 3233551 w 4446529"/>
-              <a:gd name="connsiteY1" fmla="*/ 0 h 6858000"/>
-              <a:gd name="connsiteX2" fmla="*/ 3296534 w 4446529"/>
-              <a:gd name="connsiteY2" fmla="*/ 69271 h 6858000"/>
-              <a:gd name="connsiteX3" fmla="*/ 4446529 w 4446529"/>
-              <a:gd name="connsiteY3" fmla="*/ 3429000 h 6858000"/>
-              <a:gd name="connsiteX4" fmla="*/ 3296534 w 4446529"/>
-              <a:gd name="connsiteY4" fmla="*/ 6788730 h 6858000"/>
-              <a:gd name="connsiteX5" fmla="*/ 3233551 w 4446529"/>
-              <a:gd name="connsiteY5" fmla="*/ 6858000 h 6858000"/>
-              <a:gd name="connsiteX6" fmla="*/ 0 w 4446529"/>
-              <a:gd name="connsiteY6" fmla="*/ 6858000 h 6858000"/>
-            </a:gdLst>
-            <a:ahLst/>
-            <a:cxnLst>
-              <a:cxn ang="0">
-                <a:pos x="connsiteX0" y="connsiteY0"/>
-              </a:cxn>
-              <a:cxn ang="0">
-                <a:pos x="connsiteX1" y="connsiteY1"/>
-              </a:cxn>
-              <a:cxn ang="0">
-                <a:pos x="connsiteX2" y="connsiteY2"/>
-              </a:cxn>
-              <a:cxn ang="0">
-                <a:pos x="connsiteX3" y="connsiteY3"/>
-              </a:cxn>
-              <a:cxn ang="0">
-                <a:pos x="connsiteX4" y="connsiteY4"/>
-              </a:cxn>
-              <a:cxn ang="0">
-                <a:pos x="connsiteX5" y="connsiteY5"/>
-              </a:cxn>
-              <a:cxn ang="0">
-                <a:pos x="connsiteX6" y="connsiteY6"/>
-              </a:cxn>
-            </a:cxnLst>
-            <a:rect l="l" t="t" r="r" b="b"/>
-            <a:pathLst>
-              <a:path w="4446529" h="6858000">
-                <a:moveTo>
-                  <a:pt x="0" y="0"/>
-                </a:moveTo>
-                <a:lnTo>
-                  <a:pt x="3233551" y="0"/>
-                </a:lnTo>
-                <a:lnTo>
-                  <a:pt x="3296534" y="69271"/>
-                </a:lnTo>
-                <a:cubicBezTo>
-                  <a:pt x="4007060" y="929100"/>
-                  <a:pt x="4446529" y="2116944"/>
-                  <a:pt x="4446529" y="3429000"/>
-                </a:cubicBezTo>
-                <a:cubicBezTo>
-                  <a:pt x="4446529" y="4741056"/>
-                  <a:pt x="4007060" y="5928900"/>
-                  <a:pt x="3296534" y="6788730"/>
-                </a:cubicBezTo>
-                <a:lnTo>
-                  <a:pt x="3233551" y="6858000"/>
-                </a:lnTo>
-                <a:lnTo>
-                  <a:pt x="0" y="6858000"/>
-                </a:lnTo>
-                <a:close/>
-              </a:path>
-            </a:pathLst>
-          </a:custGeom>
-          <a:ln w="9525">
+          </a:prstGeom>
+          <a:solidFill>
+            <a:schemeClr val="tx2">
+              <a:lumMod val="25000"/>
+              <a:lumOff val="75000"/>
+            </a:schemeClr>
+          </a:solidFill>
+          <a:ln w="3175">
             <a:noFill/>
           </a:ln>
           <a:effectLst/>
@@ -13951,9 +13259,7 @@
           </a:fontRef>
         </p:style>
         <p:txBody>
-          <a:bodyPr wrap="square" rtlCol="0" anchor="ctr">
-            <a:noAutofit/>
-          </a:bodyPr>
+          <a:bodyPr rtlCol="0" anchor="ctr"/>
           <a:lstStyle/>
           <a:p>
             <a:pPr marL="0" marR="0" lvl="0" indent="0" algn="ctr" defTabSz="914400" rtl="0" eaLnBrk="1" fontAlgn="auto" latinLnBrk="0" hangingPunct="1">
@@ -13992,10 +13298,10 @@
       </p:sp>
       <p:sp>
         <p:nvSpPr>
-          <p:cNvPr id="2" name="Title 1">
-            <a:extLst>
-              <a:ext uri="{FF2B5EF4-FFF2-40B4-BE49-F238E27FC236}">
-                <a16:creationId xmlns:a16="http://schemas.microsoft.com/office/drawing/2014/main" id="{2A4296B7-CA62-E28A-7808-E956D0D0AE2E}"/>
+          <p:cNvPr id="9" name="Content Placeholder 8">
+            <a:extLst>
+              <a:ext uri="{FF2B5EF4-FFF2-40B4-BE49-F238E27FC236}">
+                <a16:creationId xmlns:a16="http://schemas.microsoft.com/office/drawing/2014/main" id="{4573A092-4517-2DA7-673C-808C301EDBEA}"/>
               </a:ext>
             </a:extLst>
           </p:cNvPr>
@@ -14003,35 +13309,115 @@
             <a:spLocks noGrp="1"/>
           </p:cNvSpPr>
           <p:nvPr>
-            <p:ph type="title"/>
+            <p:ph idx="1"/>
           </p:nvPr>
         </p:nvSpPr>
         <p:spPr>
           <a:xfrm>
-            <a:off x="371094" y="1161288"/>
-            <a:ext cx="3438144" cy="1239012"/>
+            <a:off x="411480" y="2684095"/>
+            <a:ext cx="4443154" cy="3492868"/>
           </a:xfrm>
         </p:spPr>
         <p:txBody>
-          <a:bodyPr anchor="ctr">
+          <a:bodyPr>
             <a:normAutofit/>
           </a:bodyPr>
           <a:lstStyle/>
           <a:p>
             <a:r>
-              <a:rPr lang="el-GR" sz="2800"/>
-              <a:t>Το πρόγραμμα</a:t>
+              <a:rPr lang="el-GR" sz="1700" dirty="0"/>
+              <a:t>Πληροφορίες στα Αγγλικά</a:t>
             </a:r>
-            <a:endParaRPr lang="en-US" sz="2800"/>
-          </a:p>
-        </p:txBody>
-      </p:sp>
-      <p:sp>
-        <p:nvSpPr>
-          <p:cNvPr id="18" name="Rectangle 17">
-            <a:extLst>
-              <a:ext uri="{FF2B5EF4-FFF2-40B4-BE49-F238E27FC236}">
-                <a16:creationId xmlns:a16="http://schemas.microsoft.com/office/drawing/2014/main" id="{98E79BE4-34FE-485A-98A5-92CE8F7C4743}"/>
+          </a:p>
+          <a:p>
+            <a:r>
+              <a:rPr lang="el-GR" sz="1700" dirty="0"/>
+              <a:t>Οδηγίες Χρήσης στα Αγγλικά</a:t>
+            </a:r>
+            <a:endParaRPr lang="en-US" sz="1700" dirty="0"/>
+          </a:p>
+        </p:txBody>
+      </p:sp>
+      <p:pic>
+        <p:nvPicPr>
+          <p:cNvPr id="5" name="Content Placeholder 4" descr="Graphical user interface&#10;&#10;Description automatically generated">
+            <a:extLst>
+              <a:ext uri="{FF2B5EF4-FFF2-40B4-BE49-F238E27FC236}">
+                <a16:creationId xmlns:a16="http://schemas.microsoft.com/office/drawing/2014/main" id="{5C344890-8874-28F7-BF98-592562C36087}"/>
+              </a:ext>
+            </a:extLst>
+          </p:cNvPr>
+          <p:cNvPicPr>
+            <a:picLocks noChangeAspect="1"/>
+          </p:cNvPicPr>
+          <p:nvPr/>
+        </p:nvPicPr>
+        <p:blipFill>
+          <a:blip r:embed="rId2">
+            <a:extLst>
+              <a:ext uri="{28A0092B-C50C-407E-A947-70E740481C1C}">
+                <a14:useLocalDpi xmlns:a14="http://schemas.microsoft.com/office/drawing/2010/main" val="0"/>
+              </a:ext>
+            </a:extLst>
+          </a:blip>
+          <a:stretch>
+            <a:fillRect/>
+          </a:stretch>
+        </p:blipFill>
+        <p:spPr>
+          <a:xfrm>
+            <a:off x="6177343" y="625683"/>
+            <a:ext cx="4857369" cy="5551280"/>
+          </a:xfrm>
+          <a:prstGeom prst="rect">
+            <a:avLst/>
+          </a:prstGeom>
+        </p:spPr>
+      </p:pic>
+    </p:spTree>
+    <p:extLst>
+      <p:ext uri="{BB962C8B-B14F-4D97-AF65-F5344CB8AC3E}">
+        <p14:creationId xmlns:p14="http://schemas.microsoft.com/office/powerpoint/2010/main" val="1563528729"/>
+      </p:ext>
+    </p:extLst>
+  </p:cSld>
+  <p:clrMapOvr>
+    <a:masterClrMapping/>
+  </p:clrMapOvr>
+</p:sld>
+</file>
+
+<file path=ppt/slides/slide34.xml><?xml version="1.0" encoding="utf-8"?>
+<p:sld xmlns:a="http://schemas.openxmlformats.org/drawingml/2006/main" xmlns:r="http://schemas.openxmlformats.org/officeDocument/2006/relationships" xmlns:p="http://schemas.openxmlformats.org/presentationml/2006/main">
+  <p:cSld>
+    <p:bg>
+      <p:bgPr>
+        <a:solidFill>
+          <a:schemeClr val="bg1"/>
+        </a:solidFill>
+        <a:effectLst/>
+      </p:bgPr>
+    </p:bg>
+    <p:spTree>
+      <p:nvGrpSpPr>
+        <p:cNvPr id="1" name=""/>
+        <p:cNvGrpSpPr/>
+        <p:nvPr/>
+      </p:nvGrpSpPr>
+      <p:grpSpPr>
+        <a:xfrm>
+          <a:off x="0" y="0"/>
+          <a:ext cx="0" cy="0"/>
+          <a:chOff x="0" y="0"/>
+          <a:chExt cx="0" cy="0"/>
+        </a:xfrm>
+      </p:grpSpPr>
+      <p:sp useBgFill="1">
+        <p:nvSpPr>
+          <p:cNvPr id="12" name="Rectangle 11">
+            <a:extLst>
+              <a:ext uri="{FF2B5EF4-FFF2-40B4-BE49-F238E27FC236}">
+                <a16:creationId xmlns:a16="http://schemas.microsoft.com/office/drawing/2014/main" id="{0B9EE3F3-89B7-43C3-8651-C4C96830993D}"/>
               </a:ext>
               <a:ext uri="{C183D7F6-B498-43B3-948B-1728B52AA6E4}">
                 <adec:decorative xmlns:adec="http://schemas.microsoft.com/office/drawing/2017/decorative" val="1"/>
@@ -14051,8 +13437,107 @@
         </p:nvSpPr>
         <p:spPr>
           <a:xfrm>
-            <a:off x="0" y="1426546"/>
-            <a:ext cx="128016" cy="653903"/>
+            <a:off x="0" y="0"/>
+            <a:ext cx="12192000" cy="6858000"/>
+          </a:xfrm>
+          <a:prstGeom prst="rect">
+            <a:avLst/>
+          </a:prstGeom>
+          <a:ln>
+            <a:noFill/>
+          </a:ln>
+        </p:spPr>
+        <p:style>
+          <a:lnRef idx="2">
+            <a:schemeClr val="accent1">
+              <a:shade val="50000"/>
+            </a:schemeClr>
+          </a:lnRef>
+          <a:fillRef idx="1">
+            <a:schemeClr val="accent1"/>
+          </a:fillRef>
+          <a:effectRef idx="0">
+            <a:schemeClr val="accent1"/>
+          </a:effectRef>
+          <a:fontRef idx="minor">
+            <a:schemeClr val="lt1"/>
+          </a:fontRef>
+        </p:style>
+        <p:txBody>
+          <a:bodyPr rtlCol="0" anchor="ctr"/>
+          <a:lstStyle/>
+          <a:p>
+            <a:pPr algn="ctr"/>
+            <a:endParaRPr lang="en-US"/>
+          </a:p>
+        </p:txBody>
+      </p:sp>
+      <p:sp>
+        <p:nvSpPr>
+          <p:cNvPr id="2" name="Title 1">
+            <a:extLst>
+              <a:ext uri="{FF2B5EF4-FFF2-40B4-BE49-F238E27FC236}">
+                <a16:creationId xmlns:a16="http://schemas.microsoft.com/office/drawing/2014/main" id="{676D9FDB-6A5A-2BC7-5467-78DEE9877A9B}"/>
+              </a:ext>
+            </a:extLst>
+          </p:cNvPr>
+          <p:cNvSpPr>
+            <a:spLocks noGrp="1"/>
+          </p:cNvSpPr>
+          <p:nvPr>
+            <p:ph type="title"/>
+          </p:nvPr>
+        </p:nvSpPr>
+        <p:spPr>
+          <a:xfrm>
+            <a:off x="411480" y="991443"/>
+            <a:ext cx="4443154" cy="1087819"/>
+          </a:xfrm>
+        </p:spPr>
+        <p:txBody>
+          <a:bodyPr anchor="b">
+            <a:normAutofit/>
+          </a:bodyPr>
+          <a:lstStyle/>
+          <a:p>
+            <a:r>
+              <a:rPr lang="el-GR" sz="3400" dirty="0"/>
+              <a:t>Το πρόγραμμα</a:t>
+            </a:r>
+            <a:r>
+              <a:rPr lang="en-US" sz="3400" dirty="0"/>
+              <a:t> (GR)</a:t>
+            </a:r>
+          </a:p>
+        </p:txBody>
+      </p:sp>
+      <p:sp>
+        <p:nvSpPr>
+          <p:cNvPr id="14" name="Rectangle 13">
+            <a:extLst>
+              <a:ext uri="{FF2B5EF4-FFF2-40B4-BE49-F238E27FC236}">
+                <a16:creationId xmlns:a16="http://schemas.microsoft.com/office/drawing/2014/main" id="{33AE4636-AEEC-45D6-84D4-7AC2DA48ECF8}"/>
+              </a:ext>
+              <a:ext uri="{C183D7F6-B498-43B3-948B-1728B52AA6E4}">
+                <adec:decorative xmlns:adec="http://schemas.microsoft.com/office/drawing/2017/decorative" val="1"/>
+              </a:ext>
+            </a:extLst>
+          </p:cNvPr>
+          <p:cNvSpPr>
+            <a:spLocks noGrp="1" noRot="1" noChangeAspect="1" noMove="1" noResize="1" noEditPoints="1" noAdjustHandles="1" noChangeArrowheads="1" noChangeShapeType="1" noTextEdit="1"/>
+          </p:cNvSpPr>
+          <p:nvPr>
+            <p:extLst>
+              <p:ext uri="{386F3935-93C4-4BCD-93E2-E3B085C9AB24}">
+                <p16:designElem xmlns:p16="http://schemas.microsoft.com/office/powerpoint/2015/main" val="1"/>
+              </p:ext>
+            </p:extLst>
+          </p:nvPr>
+        </p:nvSpPr>
+        <p:spPr>
+          <a:xfrm rot="5400000">
+            <a:off x="649223" y="387939"/>
+            <a:ext cx="73152" cy="548640"/>
           </a:xfrm>
           <a:prstGeom prst="rect">
             <a:avLst/>
@@ -14120,10 +13605,10 @@
       </p:sp>
       <p:sp>
         <p:nvSpPr>
-          <p:cNvPr id="20" name="Rectangle 19">
-            <a:extLst>
-              <a:ext uri="{FF2B5EF4-FFF2-40B4-BE49-F238E27FC236}">
-                <a16:creationId xmlns:a16="http://schemas.microsoft.com/office/drawing/2014/main" id="{7A5F0580-5EE9-419F-96EE-B6529EF6E7D0}"/>
+          <p:cNvPr id="16" name="Rectangle 15">
+            <a:extLst>
+              <a:ext uri="{FF2B5EF4-FFF2-40B4-BE49-F238E27FC236}">
+                <a16:creationId xmlns:a16="http://schemas.microsoft.com/office/drawing/2014/main" id="{8D9CE0F4-2EB2-4F1F-8AAC-DB3571D9FE10}"/>
               </a:ext>
               <a:ext uri="{C183D7F6-B498-43B3-948B-1728B52AA6E4}">
                 <adec:decorative xmlns:adec="http://schemas.microsoft.com/office/drawing/2017/decorative" val="1"/>
@@ -14143,8 +13628,8 @@
         </p:nvSpPr>
         <p:spPr>
           <a:xfrm>
-            <a:off x="395893" y="2443480"/>
-            <a:ext cx="3383280" cy="18288"/>
+            <a:off x="411480" y="2285541"/>
+            <a:ext cx="4389120" cy="18288"/>
           </a:xfrm>
           <a:prstGeom prst="rect">
             <a:avLst/>
@@ -14219,7 +13704,7 @@
           <p:cNvPr id="9" name="Content Placeholder 8">
             <a:extLst>
               <a:ext uri="{FF2B5EF4-FFF2-40B4-BE49-F238E27FC236}">
-                <a16:creationId xmlns:a16="http://schemas.microsoft.com/office/drawing/2014/main" id="{ABD2A248-A2B2-2184-0FB0-5F91666B2B30}"/>
+                <a16:creationId xmlns:a16="http://schemas.microsoft.com/office/drawing/2014/main" id="{2C36ACEA-45EF-CDE7-D6CE-210E460B17A8}"/>
               </a:ext>
             </a:extLst>
           </p:cNvPr>
@@ -14232,12 +13717,12 @@
         </p:nvSpPr>
         <p:spPr>
           <a:xfrm>
-            <a:off x="371094" y="2718054"/>
-            <a:ext cx="3438906" cy="3207258"/>
+            <a:off x="411480" y="2684095"/>
+            <a:ext cx="4443154" cy="3492868"/>
           </a:xfrm>
         </p:spPr>
         <p:txBody>
-          <a:bodyPr anchor="t">
+          <a:bodyPr>
             <a:normAutofit/>
           </a:bodyPr>
           <a:lstStyle/>
@@ -14261,7 +13746,7 @@
           <p:cNvPr id="5" name="Content Placeholder 4" descr="Graphical user interface&#10;&#10;Description automatically generated">
             <a:extLst>
               <a:ext uri="{FF2B5EF4-FFF2-40B4-BE49-F238E27FC236}">
-                <a16:creationId xmlns:a16="http://schemas.microsoft.com/office/drawing/2014/main" id="{2E953298-9908-40EA-85C0-C27E823FC540}"/>
+                <a16:creationId xmlns:a16="http://schemas.microsoft.com/office/drawing/2014/main" id="{560E8FD9-2107-B970-6307-7EF2B772A8CC}"/>
               </a:ext>
             </a:extLst>
           </p:cNvPr>
@@ -14284,8 +13769,8 @@
         </p:blipFill>
         <p:spPr>
           <a:xfrm>
-            <a:off x="6067090" y="841248"/>
-            <a:ext cx="4590196" cy="5276088"/>
+            <a:off x="6177343" y="625683"/>
+            <a:ext cx="4857369" cy="5551280"/>
           </a:xfrm>
           <a:prstGeom prst="rect">
             <a:avLst/>
@@ -14295,101 +13780,7 @@
     </p:spTree>
     <p:extLst>
       <p:ext uri="{BB962C8B-B14F-4D97-AF65-F5344CB8AC3E}">
-        <p14:creationId xmlns:p14="http://schemas.microsoft.com/office/powerpoint/2010/main" val="272381901"/>
-      </p:ext>
-    </p:extLst>
-  </p:cSld>
-  <p:clrMapOvr>
-    <a:masterClrMapping/>
-  </p:clrMapOvr>
-</p:sld>
-</file>
-
-<file path=ppt/slides/slide34.xml><?xml version="1.0" encoding="utf-8"?>
-<p:sld xmlns:a="http://schemas.openxmlformats.org/drawingml/2006/main" xmlns:r="http://schemas.openxmlformats.org/officeDocument/2006/relationships" xmlns:p="http://schemas.openxmlformats.org/presentationml/2006/main">
-  <p:cSld>
-    <p:spTree>
-      <p:nvGrpSpPr>
-        <p:cNvPr id="1" name=""/>
-        <p:cNvGrpSpPr/>
-        <p:nvPr/>
-      </p:nvGrpSpPr>
-      <p:grpSpPr>
-        <a:xfrm>
-          <a:off x="0" y="0"/>
-          <a:ext cx="0" cy="0"/>
-          <a:chOff x="0" y="0"/>
-          <a:chExt cx="0" cy="0"/>
-        </a:xfrm>
-      </p:grpSpPr>
-      <p:sp>
-        <p:nvSpPr>
-          <p:cNvPr id="2" name="Title 1">
-            <a:extLst>
-              <a:ext uri="{FF2B5EF4-FFF2-40B4-BE49-F238E27FC236}">
-                <a16:creationId xmlns:a16="http://schemas.microsoft.com/office/drawing/2014/main" id="{2475A9B0-231E-DE2C-4860-244317443BF6}"/>
-              </a:ext>
-            </a:extLst>
-          </p:cNvPr>
-          <p:cNvSpPr>
-            <a:spLocks noGrp="1"/>
-          </p:cNvSpPr>
-          <p:nvPr>
-            <p:ph type="title"/>
-          </p:nvPr>
-        </p:nvSpPr>
-        <p:spPr/>
-        <p:txBody>
-          <a:bodyPr/>
-          <a:lstStyle/>
-          <a:p>
-            <a:r>
-              <a:rPr lang="el-GR" dirty="0"/>
-              <a:t>Διάφορα Παραδείγματα από το Πρόγραμμα</a:t>
-            </a:r>
-            <a:endParaRPr lang="en-US" dirty="0"/>
-          </a:p>
-        </p:txBody>
-      </p:sp>
-      <p:pic>
-        <p:nvPicPr>
-          <p:cNvPr id="5" name="Content Placeholder 4" descr="Graphical user interface, chart, line chart&#10;&#10;Description automatically generated">
-            <a:extLst>
-              <a:ext uri="{FF2B5EF4-FFF2-40B4-BE49-F238E27FC236}">
-                <a16:creationId xmlns:a16="http://schemas.microsoft.com/office/drawing/2014/main" id="{761DDBF8-52E3-36B7-717D-5E9897949052}"/>
-              </a:ext>
-            </a:extLst>
-          </p:cNvPr>
-          <p:cNvPicPr>
-            <a:picLocks noGrp="1" noChangeAspect="1"/>
-          </p:cNvPicPr>
-          <p:nvPr>
-            <p:ph idx="1"/>
-          </p:nvPr>
-        </p:nvPicPr>
-        <p:blipFill>
-          <a:blip r:embed="rId2">
-            <a:extLst>
-              <a:ext uri="{28A0092B-C50C-407E-A947-70E740481C1C}">
-                <a14:useLocalDpi xmlns:a14="http://schemas.microsoft.com/office/drawing/2010/main" val="0"/>
-              </a:ext>
-            </a:extLst>
-          </a:blip>
-          <a:stretch>
-            <a:fillRect/>
-          </a:stretch>
-        </p:blipFill>
-        <p:spPr>
-          <a:xfrm>
-            <a:off x="1116013" y="2648335"/>
-            <a:ext cx="10167937" cy="3353618"/>
-          </a:xfrm>
-        </p:spPr>
-      </p:pic>
-    </p:spTree>
-    <p:extLst>
-      <p:ext uri="{BB962C8B-B14F-4D97-AF65-F5344CB8AC3E}">
-        <p14:creationId xmlns:p14="http://schemas.microsoft.com/office/powerpoint/2010/main" val="106450319"/>
+        <p14:creationId xmlns:p14="http://schemas.microsoft.com/office/powerpoint/2010/main" val="3442551282"/>
       </p:ext>
     </p:extLst>
   </p:cSld>
@@ -14421,7 +13812,7 @@
           <p:cNvPr id="2" name="Title 1">
             <a:extLst>
               <a:ext uri="{FF2B5EF4-FFF2-40B4-BE49-F238E27FC236}">
-                <a16:creationId xmlns:a16="http://schemas.microsoft.com/office/drawing/2014/main" id="{664F0AC3-AD35-3E36-619E-C294C261C1BB}"/>
+                <a16:creationId xmlns:a16="http://schemas.microsoft.com/office/drawing/2014/main" id="{2475A9B0-231E-DE2C-4860-244317443BF6}"/>
               </a:ext>
             </a:extLst>
           </p:cNvPr>
@@ -14447,10 +13838,10 @@
       </p:sp>
       <p:pic>
         <p:nvPicPr>
-          <p:cNvPr id="5" name="Content Placeholder 4" descr="Chart, line chart&#10;&#10;Description automatically generated">
-            <a:extLst>
-              <a:ext uri="{FF2B5EF4-FFF2-40B4-BE49-F238E27FC236}">
-                <a16:creationId xmlns:a16="http://schemas.microsoft.com/office/drawing/2014/main" id="{31D1EAAD-A0BE-64E4-DC34-795152C941D3}"/>
+          <p:cNvPr id="5" name="Content Placeholder 4" descr="Graphical user interface, chart, line chart&#10;&#10;Description automatically generated">
+            <a:extLst>
+              <a:ext uri="{FF2B5EF4-FFF2-40B4-BE49-F238E27FC236}">
+                <a16:creationId xmlns:a16="http://schemas.microsoft.com/office/drawing/2014/main" id="{761DDBF8-52E3-36B7-717D-5E9897949052}"/>
               </a:ext>
             </a:extLst>
           </p:cNvPr>
@@ -14475,15 +13866,15 @@
         </p:blipFill>
         <p:spPr>
           <a:xfrm>
-            <a:off x="1116013" y="2661433"/>
-            <a:ext cx="10167937" cy="3327421"/>
+            <a:off x="1116013" y="2648335"/>
+            <a:ext cx="10167937" cy="3353618"/>
           </a:xfrm>
         </p:spPr>
       </p:pic>
     </p:spTree>
     <p:extLst>
       <p:ext uri="{BB962C8B-B14F-4D97-AF65-F5344CB8AC3E}">
-        <p14:creationId xmlns:p14="http://schemas.microsoft.com/office/powerpoint/2010/main" val="3652816492"/>
+        <p14:creationId xmlns:p14="http://schemas.microsoft.com/office/powerpoint/2010/main" val="106450319"/>
       </p:ext>
     </p:extLst>
   </p:cSld>
@@ -14515,6 +13906,100 @@
           <p:cNvPr id="2" name="Title 1">
             <a:extLst>
               <a:ext uri="{FF2B5EF4-FFF2-40B4-BE49-F238E27FC236}">
+                <a16:creationId xmlns:a16="http://schemas.microsoft.com/office/drawing/2014/main" id="{664F0AC3-AD35-3E36-619E-C294C261C1BB}"/>
+              </a:ext>
+            </a:extLst>
+          </p:cNvPr>
+          <p:cNvSpPr>
+            <a:spLocks noGrp="1"/>
+          </p:cNvSpPr>
+          <p:nvPr>
+            <p:ph type="title"/>
+          </p:nvPr>
+        </p:nvSpPr>
+        <p:spPr/>
+        <p:txBody>
+          <a:bodyPr/>
+          <a:lstStyle/>
+          <a:p>
+            <a:r>
+              <a:rPr lang="el-GR" dirty="0"/>
+              <a:t>Διάφορα Παραδείγματα από το Πρόγραμμα</a:t>
+            </a:r>
+            <a:endParaRPr lang="en-US" dirty="0"/>
+          </a:p>
+        </p:txBody>
+      </p:sp>
+      <p:pic>
+        <p:nvPicPr>
+          <p:cNvPr id="5" name="Content Placeholder 4" descr="Chart, line chart&#10;&#10;Description automatically generated">
+            <a:extLst>
+              <a:ext uri="{FF2B5EF4-FFF2-40B4-BE49-F238E27FC236}">
+                <a16:creationId xmlns:a16="http://schemas.microsoft.com/office/drawing/2014/main" id="{31D1EAAD-A0BE-64E4-DC34-795152C941D3}"/>
+              </a:ext>
+            </a:extLst>
+          </p:cNvPr>
+          <p:cNvPicPr>
+            <a:picLocks noGrp="1" noChangeAspect="1"/>
+          </p:cNvPicPr>
+          <p:nvPr>
+            <p:ph idx="1"/>
+          </p:nvPr>
+        </p:nvPicPr>
+        <p:blipFill>
+          <a:blip r:embed="rId2">
+            <a:extLst>
+              <a:ext uri="{28A0092B-C50C-407E-A947-70E740481C1C}">
+                <a14:useLocalDpi xmlns:a14="http://schemas.microsoft.com/office/drawing/2010/main" val="0"/>
+              </a:ext>
+            </a:extLst>
+          </a:blip>
+          <a:stretch>
+            <a:fillRect/>
+          </a:stretch>
+        </p:blipFill>
+        <p:spPr>
+          <a:xfrm>
+            <a:off x="1116013" y="2661433"/>
+            <a:ext cx="10167937" cy="3327421"/>
+          </a:xfrm>
+        </p:spPr>
+      </p:pic>
+    </p:spTree>
+    <p:extLst>
+      <p:ext uri="{BB962C8B-B14F-4D97-AF65-F5344CB8AC3E}">
+        <p14:creationId xmlns:p14="http://schemas.microsoft.com/office/powerpoint/2010/main" val="3652816492"/>
+      </p:ext>
+    </p:extLst>
+  </p:cSld>
+  <p:clrMapOvr>
+    <a:masterClrMapping/>
+  </p:clrMapOvr>
+</p:sld>
+</file>
+
+<file path=ppt/slides/slide37.xml><?xml version="1.0" encoding="utf-8"?>
+<p:sld xmlns:a="http://schemas.openxmlformats.org/drawingml/2006/main" xmlns:r="http://schemas.openxmlformats.org/officeDocument/2006/relationships" xmlns:p="http://schemas.openxmlformats.org/presentationml/2006/main">
+  <p:cSld>
+    <p:spTree>
+      <p:nvGrpSpPr>
+        <p:cNvPr id="1" name=""/>
+        <p:cNvGrpSpPr/>
+        <p:nvPr/>
+      </p:nvGrpSpPr>
+      <p:grpSpPr>
+        <a:xfrm>
+          <a:off x="0" y="0"/>
+          <a:ext cx="0" cy="0"/>
+          <a:chOff x="0" y="0"/>
+          <a:chExt cx="0" cy="0"/>
+        </a:xfrm>
+      </p:grpSpPr>
+      <p:sp>
+        <p:nvSpPr>
+          <p:cNvPr id="2" name="Title 1">
+            <a:extLst>
+              <a:ext uri="{FF2B5EF4-FFF2-40B4-BE49-F238E27FC236}">
                 <a16:creationId xmlns:a16="http://schemas.microsoft.com/office/drawing/2014/main" id="{FABB997E-918D-024C-32AB-D724510F31A9}"/>
               </a:ext>
             </a:extLst>
@@ -14578,6 +14063,101 @@
     <p:extLst>
       <p:ext uri="{BB962C8B-B14F-4D97-AF65-F5344CB8AC3E}">
         <p14:creationId xmlns:p14="http://schemas.microsoft.com/office/powerpoint/2010/main" val="3096064179"/>
+      </p:ext>
+    </p:extLst>
+  </p:cSld>
+  <p:clrMapOvr>
+    <a:masterClrMapping/>
+  </p:clrMapOvr>
+</p:sld>
+</file>
+
+<file path=ppt/slides/slide38.xml><?xml version="1.0" encoding="utf-8"?>
+<p:sld xmlns:a="http://schemas.openxmlformats.org/drawingml/2006/main" xmlns:r="http://schemas.openxmlformats.org/officeDocument/2006/relationships" xmlns:p="http://schemas.openxmlformats.org/presentationml/2006/main">
+  <p:cSld>
+    <p:spTree>
+      <p:nvGrpSpPr>
+        <p:cNvPr id="1" name=""/>
+        <p:cNvGrpSpPr/>
+        <p:nvPr/>
+      </p:nvGrpSpPr>
+      <p:grpSpPr>
+        <a:xfrm>
+          <a:off x="0" y="0"/>
+          <a:ext cx="0" cy="0"/>
+          <a:chOff x="0" y="0"/>
+          <a:chExt cx="0" cy="0"/>
+        </a:xfrm>
+      </p:grpSpPr>
+      <p:sp>
+        <p:nvSpPr>
+          <p:cNvPr id="2" name="Title 1">
+            <a:extLst>
+              <a:ext uri="{FF2B5EF4-FFF2-40B4-BE49-F238E27FC236}">
+                <a16:creationId xmlns:a16="http://schemas.microsoft.com/office/drawing/2014/main" id="{51E73242-255A-7B5E-F812-95389479283F}"/>
+              </a:ext>
+            </a:extLst>
+          </p:cNvPr>
+          <p:cNvSpPr>
+            <a:spLocks noGrp="1"/>
+          </p:cNvSpPr>
+          <p:nvPr>
+            <p:ph type="title"/>
+          </p:nvPr>
+        </p:nvSpPr>
+        <p:spPr/>
+        <p:txBody>
+          <a:bodyPr/>
+          <a:lstStyle/>
+          <a:p>
+            <a:pPr algn="ctr"/>
+            <a:r>
+              <a:rPr lang="el-GR" dirty="0"/>
+              <a:t>Σας ευχαριστώ πολύ για τον χρόνο σας!</a:t>
+            </a:r>
+            <a:endParaRPr lang="en-US" dirty="0"/>
+          </a:p>
+        </p:txBody>
+      </p:sp>
+      <p:pic>
+        <p:nvPicPr>
+          <p:cNvPr id="5" name="Content Placeholder 4" descr="A picture containing silhouette&#10;&#10;Description automatically generated">
+            <a:extLst>
+              <a:ext uri="{FF2B5EF4-FFF2-40B4-BE49-F238E27FC236}">
+                <a16:creationId xmlns:a16="http://schemas.microsoft.com/office/drawing/2014/main" id="{565821A2-4357-71AF-D97D-2C5347BD67A2}"/>
+              </a:ext>
+            </a:extLst>
+          </p:cNvPr>
+          <p:cNvPicPr>
+            <a:picLocks noGrp="1" noChangeAspect="1"/>
+          </p:cNvPicPr>
+          <p:nvPr>
+            <p:ph idx="1"/>
+          </p:nvPr>
+        </p:nvPicPr>
+        <p:blipFill>
+          <a:blip r:embed="rId2">
+            <a:extLst>
+              <a:ext uri="{28A0092B-C50C-407E-A947-70E740481C1C}">
+                <a14:useLocalDpi xmlns:a14="http://schemas.microsoft.com/office/drawing/2010/main" val="0"/>
+              </a:ext>
+            </a:extLst>
+          </a:blip>
+          <a:stretch>
+            <a:fillRect/>
+          </a:stretch>
+        </p:blipFill>
+        <p:spPr>
+          <a:xfrm>
+            <a:off x="3104356" y="2539206"/>
+            <a:ext cx="6191250" cy="3571875"/>
+          </a:xfrm>
+        </p:spPr>
+      </p:pic>
+    </p:spTree>
+    <p:extLst>
+      <p:ext uri="{BB962C8B-B14F-4D97-AF65-F5344CB8AC3E}">
+        <p14:creationId xmlns:p14="http://schemas.microsoft.com/office/powerpoint/2010/main" val="608030339"/>
       </p:ext>
     </p:extLst>
   </p:cSld>

--- a/thesisPriftiPP.pptx
+++ b/thesisPriftiPP.pptx
@@ -8166,8 +8166,28 @@
               <a:lstStyle/>
               <a:p>
                 <a:r>
-                  <a:rPr lang="en-US" sz="3000"/>
-                  <a:t>Αλγόριθμος χρονικής πολυπλοκότητας O</a:t>
+                  <a:rPr lang="en-US" sz="3000" dirty="0" err="1"/>
+                  <a:t>Αλγόριθμος</a:t>
+                </a:r>
+                <a:r>
+                  <a:rPr lang="en-US" sz="3000" dirty="0"/>
+                  <a:t> </a:t>
+                </a:r>
+                <a:r>
+                  <a:rPr lang="en-US" sz="3000" dirty="0" err="1"/>
+                  <a:t>χρονικής</a:t>
+                </a:r>
+                <a:r>
+                  <a:rPr lang="en-US" sz="3000" dirty="0"/>
+                  <a:t> π</a:t>
+                </a:r>
+                <a:r>
+                  <a:rPr lang="en-US" sz="3000" dirty="0" err="1"/>
+                  <a:t>ολυ</a:t>
+                </a:r>
+                <a:r>
+                  <a:rPr lang="en-US" sz="3000" dirty="0"/>
+                  <a:t>πλοκότητας O</a:t>
                 </a:r>
                 <a14:m>
                   <m:oMath xmlns:m="http://schemas.openxmlformats.org/officeDocument/2006/math">
@@ -8219,13 +8239,24 @@
                   </m:oMath>
                 </a14:m>
                 <a:br>
-                  <a:rPr lang="en-US" sz="3000" b="0"/>
+                  <a:rPr lang="en-US" sz="3000" b="0" dirty="0"/>
                 </a:br>
                 <a:r>
-                  <a:rPr lang="en-US" sz="3000" b="0"/>
-                  <a:t>για τον υπολογισμό του Ελάχιστου Περικλείοντος Κύκλου</a:t>
+                  <a:rPr lang="en-US" sz="3000" b="0" dirty="0" err="1"/>
+                  <a:t>γι</a:t>
                 </a:r>
-                <a:endParaRPr lang="en-US" sz="3000"/>
+                <a:r>
+                  <a:rPr lang="en-US" sz="3000" b="0" dirty="0"/>
+                  <a:t>α τον υπολογισμό του Ελάχιστου Περικλείοντος Κύκλου</a:t>
+                </a:r>
+                <a:br>
+                  <a:rPr lang="en-US" sz="3000" b="0" dirty="0"/>
+                </a:br>
+                <a:r>
+                  <a:rPr lang="el-GR" sz="3000"/>
+                  <a:t>(ΔΟΜΕΣ;)</a:t>
+                </a:r>
+                <a:endParaRPr lang="en-US" sz="3000" dirty="0"/>
               </a:p>
             </p:txBody>
           </p:sp>
@@ -8255,7 +8286,7 @@
               <a:blipFill>
                 <a:blip r:embed="rId2"/>
                 <a:stretch>
-                  <a:fillRect l="-3485" r="-909" b="-6084"/>
+                  <a:fillRect l="-3485" r="-909" b="-5894"/>
                 </a:stretch>
               </a:blipFill>
             </p:spPr>
